--- a/app.pptx
+++ b/app.pptx
@@ -5,10 +5,10 @@
     <p:sldMasterId id="2147483648" r:id="rId1"/>
   </p:sldMasterIdLst>
   <p:notesMasterIdLst>
-    <p:notesMasterId r:id="rId22"/>
+    <p:notesMasterId r:id="rId24"/>
   </p:notesMasterIdLst>
   <p:handoutMasterIdLst>
-    <p:handoutMasterId r:id="rId23"/>
+    <p:handoutMasterId r:id="rId25"/>
   </p:handoutMasterIdLst>
   <p:sldIdLst>
     <p:sldId id="302" r:id="rId2"/>
@@ -22,18 +22,20 @@
     <p:sldId id="271" r:id="rId10"/>
     <p:sldId id="272" r:id="rId11"/>
     <p:sldId id="300" r:id="rId12"/>
-    <p:sldId id="303" r:id="rId13"/>
-    <p:sldId id="304" r:id="rId14"/>
-    <p:sldId id="305" r:id="rId15"/>
-    <p:sldId id="306" r:id="rId16"/>
-    <p:sldId id="308" r:id="rId17"/>
-    <p:sldId id="309" r:id="rId18"/>
-    <p:sldId id="307" r:id="rId19"/>
-    <p:sldId id="311" r:id="rId20"/>
-    <p:sldId id="310" r:id="rId21"/>
+    <p:sldId id="313" r:id="rId13"/>
+    <p:sldId id="303" r:id="rId14"/>
+    <p:sldId id="304" r:id="rId15"/>
+    <p:sldId id="305" r:id="rId16"/>
+    <p:sldId id="306" r:id="rId17"/>
+    <p:sldId id="308" r:id="rId18"/>
+    <p:sldId id="309" r:id="rId19"/>
+    <p:sldId id="307" r:id="rId20"/>
+    <p:sldId id="312" r:id="rId21"/>
+    <p:sldId id="311" r:id="rId22"/>
+    <p:sldId id="310" r:id="rId23"/>
   </p:sldIdLst>
   <p:sldSz cx="9144000" cy="6858000" type="screen4x3"/>
-  <p:notesSz cx="6858000" cy="9144000"/>
+  <p:notesSz cx="7010400" cy="9296400"/>
   <p:defaultTextStyle>
     <a:defPPr>
       <a:defRPr lang="en-US"/>
@@ -183,14 +185,14 @@
         <p:spPr>
           <a:xfrm>
             <a:off x="0" y="0"/>
-            <a:ext cx="2971800" cy="457200"/>
+            <a:ext cx="3037840" cy="464820"/>
           </a:xfrm>
           <a:prstGeom prst="rect">
             <a:avLst/>
           </a:prstGeom>
         </p:spPr>
         <p:txBody>
-          <a:bodyPr vert="horz" lIns="91440" tIns="45720" rIns="91440" bIns="45720" rtlCol="0"/>
+          <a:bodyPr vert="horz" lIns="93177" tIns="46589" rIns="93177" bIns="46589" rtlCol="0"/>
           <a:lstStyle>
             <a:lvl1pPr algn="l">
               <a:defRPr sz="1200"/>
@@ -213,15 +215,15 @@
         </p:nvSpPr>
         <p:spPr>
           <a:xfrm>
-            <a:off x="3884613" y="0"/>
-            <a:ext cx="2971800" cy="457200"/>
+            <a:off x="3970938" y="0"/>
+            <a:ext cx="3037840" cy="464820"/>
           </a:xfrm>
           <a:prstGeom prst="rect">
             <a:avLst/>
           </a:prstGeom>
         </p:spPr>
         <p:txBody>
-          <a:bodyPr vert="horz" lIns="91440" tIns="45720" rIns="91440" bIns="45720" rtlCol="0"/>
+          <a:bodyPr vert="horz" lIns="93177" tIns="46589" rIns="93177" bIns="46589" rtlCol="0"/>
           <a:lstStyle>
             <a:lvl1pPr algn="r">
               <a:defRPr sz="1200"/>
@@ -231,7 +233,7 @@
             <a:fld id="{B581A4A1-0151-4952-9393-72CA6EBB5C15}" type="datetimeFigureOut">
               <a:rPr lang="en-US" smtClean="0"/>
               <a:pPr/>
-              <a:t>9/7/2021</a:t>
+              <a:t>9/13/2021</a:t>
             </a:fld>
             <a:endParaRPr lang="en-US"/>
           </a:p>
@@ -249,15 +251,15 @@
         </p:nvSpPr>
         <p:spPr>
           <a:xfrm>
-            <a:off x="0" y="8685213"/>
-            <a:ext cx="2971800" cy="457200"/>
+            <a:off x="0" y="8829967"/>
+            <a:ext cx="3037840" cy="464820"/>
           </a:xfrm>
           <a:prstGeom prst="rect">
             <a:avLst/>
           </a:prstGeom>
         </p:spPr>
         <p:txBody>
-          <a:bodyPr vert="horz" lIns="91440" tIns="45720" rIns="91440" bIns="45720" rtlCol="0" anchor="b"/>
+          <a:bodyPr vert="horz" lIns="93177" tIns="46589" rIns="93177" bIns="46589" rtlCol="0" anchor="b"/>
           <a:lstStyle>
             <a:lvl1pPr algn="l">
               <a:defRPr sz="1200"/>
@@ -280,15 +282,15 @@
         </p:nvSpPr>
         <p:spPr>
           <a:xfrm>
-            <a:off x="3884613" y="8685213"/>
-            <a:ext cx="2971800" cy="457200"/>
+            <a:off x="3970938" y="8829967"/>
+            <a:ext cx="3037840" cy="464820"/>
           </a:xfrm>
           <a:prstGeom prst="rect">
             <a:avLst/>
           </a:prstGeom>
         </p:spPr>
         <p:txBody>
-          <a:bodyPr vert="horz" lIns="91440" tIns="45720" rIns="91440" bIns="45720" rtlCol="0" anchor="b"/>
+          <a:bodyPr vert="horz" lIns="93177" tIns="46589" rIns="93177" bIns="46589" rtlCol="0" anchor="b"/>
           <a:lstStyle>
             <a:lvl1pPr algn="r">
               <a:defRPr sz="1200"/>
@@ -350,14 +352,14 @@
         <p:spPr>
           <a:xfrm>
             <a:off x="0" y="0"/>
-            <a:ext cx="2971800" cy="457200"/>
+            <a:ext cx="3037840" cy="464820"/>
           </a:xfrm>
           <a:prstGeom prst="rect">
             <a:avLst/>
           </a:prstGeom>
         </p:spPr>
         <p:txBody>
-          <a:bodyPr vert="horz" lIns="91440" tIns="45720" rIns="91440" bIns="45720" rtlCol="0"/>
+          <a:bodyPr vert="horz" lIns="93177" tIns="46589" rIns="93177" bIns="46589" rtlCol="0"/>
           <a:lstStyle>
             <a:lvl1pPr algn="l">
               <a:defRPr sz="1200"/>
@@ -380,15 +382,15 @@
         </p:nvSpPr>
         <p:spPr>
           <a:xfrm>
-            <a:off x="3884613" y="0"/>
-            <a:ext cx="2971800" cy="457200"/>
+            <a:off x="3970938" y="0"/>
+            <a:ext cx="3037840" cy="464820"/>
           </a:xfrm>
           <a:prstGeom prst="rect">
             <a:avLst/>
           </a:prstGeom>
         </p:spPr>
         <p:txBody>
-          <a:bodyPr vert="horz" lIns="91440" tIns="45720" rIns="91440" bIns="45720" rtlCol="0"/>
+          <a:bodyPr vert="horz" lIns="93177" tIns="46589" rIns="93177" bIns="46589" rtlCol="0"/>
           <a:lstStyle>
             <a:lvl1pPr algn="r">
               <a:defRPr sz="1200"/>
@@ -398,7 +400,7 @@
             <a:fld id="{CBE2DD0D-9890-4CA9-8F72-040C311BC584}" type="datetimeFigureOut">
               <a:rPr lang="en-US" smtClean="0"/>
               <a:pPr/>
-              <a:t>9/7/2021</a:t>
+              <a:t>9/13/2021</a:t>
             </a:fld>
             <a:endParaRPr lang="en-US"/>
           </a:p>
@@ -416,8 +418,8 @@
         </p:nvSpPr>
         <p:spPr>
           <a:xfrm>
-            <a:off x="1143000" y="685800"/>
-            <a:ext cx="4572000" cy="3429000"/>
+            <a:off x="1181100" y="696913"/>
+            <a:ext cx="4648200" cy="3486150"/>
           </a:xfrm>
           <a:prstGeom prst="rect">
             <a:avLst/>
@@ -430,7 +432,7 @@
           </a:ln>
         </p:spPr>
         <p:txBody>
-          <a:bodyPr vert="horz" lIns="91440" tIns="45720" rIns="91440" bIns="45720" rtlCol="0" anchor="ctr"/>
+          <a:bodyPr vert="horz" lIns="93177" tIns="46589" rIns="93177" bIns="46589" rtlCol="0" anchor="ctr"/>
           <a:lstStyle/>
           <a:p>
             <a:endParaRPr lang="en-US"/>
@@ -449,15 +451,15 @@
         </p:nvSpPr>
         <p:spPr>
           <a:xfrm>
-            <a:off x="685800" y="4343400"/>
-            <a:ext cx="5486400" cy="4114800"/>
+            <a:off x="701040" y="4415790"/>
+            <a:ext cx="5608320" cy="4183380"/>
           </a:xfrm>
           <a:prstGeom prst="rect">
             <a:avLst/>
           </a:prstGeom>
         </p:spPr>
         <p:txBody>
-          <a:bodyPr vert="horz" lIns="91440" tIns="45720" rIns="91440" bIns="45720" rtlCol="0">
+          <a:bodyPr vert="horz" lIns="93177" tIns="46589" rIns="93177" bIns="46589" rtlCol="0">
             <a:normAutofit/>
           </a:bodyPr>
           <a:lstStyle/>
@@ -511,15 +513,15 @@
         </p:nvSpPr>
         <p:spPr>
           <a:xfrm>
-            <a:off x="0" y="8685213"/>
-            <a:ext cx="2971800" cy="457200"/>
+            <a:off x="0" y="8829967"/>
+            <a:ext cx="3037840" cy="464820"/>
           </a:xfrm>
           <a:prstGeom prst="rect">
             <a:avLst/>
           </a:prstGeom>
         </p:spPr>
         <p:txBody>
-          <a:bodyPr vert="horz" lIns="91440" tIns="45720" rIns="91440" bIns="45720" rtlCol="0" anchor="b"/>
+          <a:bodyPr vert="horz" lIns="93177" tIns="46589" rIns="93177" bIns="46589" rtlCol="0" anchor="b"/>
           <a:lstStyle>
             <a:lvl1pPr algn="l">
               <a:defRPr sz="1200"/>
@@ -542,15 +544,15 @@
         </p:nvSpPr>
         <p:spPr>
           <a:xfrm>
-            <a:off x="3884613" y="8685213"/>
-            <a:ext cx="2971800" cy="457200"/>
+            <a:off x="3970938" y="8829967"/>
+            <a:ext cx="3037840" cy="464820"/>
           </a:xfrm>
           <a:prstGeom prst="rect">
             <a:avLst/>
           </a:prstGeom>
         </p:spPr>
         <p:txBody>
-          <a:bodyPr vert="horz" lIns="91440" tIns="45720" rIns="91440" bIns="45720" rtlCol="0" anchor="b"/>
+          <a:bodyPr vert="horz" lIns="93177" tIns="46589" rIns="93177" bIns="46589" rtlCol="0" anchor="b"/>
           <a:lstStyle>
             <a:lvl1pPr algn="r">
               <a:defRPr sz="1200"/>
@@ -847,7 +849,7 @@
             <a:fld id="{C175516B-6BE0-4B25-B253-7DDD7AD99282}" type="slidenum">
               <a:rPr lang="en-US" smtClean="0"/>
               <a:pPr/>
-              <a:t>19</a:t>
+              <a:t>21</a:t>
             </a:fld>
             <a:endParaRPr lang="en-US"/>
           </a:p>
@@ -2541,7 +2543,7 @@
           <a:graphicData uri="http://schemas.openxmlformats.org/presentationml/2006/ole">
             <mc:AlternateContent xmlns:mc="http://schemas.openxmlformats.org/markup-compatibility/2006">
               <mc:Choice xmlns:v="urn:schemas-microsoft-com:vml" Requires="v">
-                <p:oleObj spid="_x0000_s7206" name="Equation" r:id="rId4" imgW="1828800" imgH="596880" progId="Equation.3">
+                <p:oleObj spid="_x0000_s7216" name="Equation" r:id="rId4" imgW="1828800" imgH="596880" progId="Equation.3">
                   <p:embed/>
                 </p:oleObj>
               </mc:Choice>
@@ -2618,7 +2620,7 @@
           <a:graphicData uri="http://schemas.openxmlformats.org/presentationml/2006/ole">
             <mc:AlternateContent xmlns:mc="http://schemas.openxmlformats.org/markup-compatibility/2006">
               <mc:Choice xmlns:v="urn:schemas-microsoft-com:vml" Requires="v">
-                <p:oleObj spid="_x0000_s7207" name="Equation" r:id="rId6" imgW="1130040" imgH="228600" progId="Equation.3">
+                <p:oleObj spid="_x0000_s7217" name="Equation" r:id="rId6" imgW="1130040" imgH="228600" progId="Equation.3">
                   <p:embed/>
                 </p:oleObj>
               </mc:Choice>
@@ -2772,7 +2774,7 @@
         </p:nvSpPr>
         <p:spPr>
           <a:xfrm>
-            <a:off x="990600" y="2590800"/>
+            <a:off x="609600" y="2369338"/>
             <a:ext cx="3200400" cy="533400"/>
           </a:xfrm>
           <a:prstGeom prst="rect">
@@ -2805,20 +2807,20 @@
           <p:nvPr>
             <p:extLst>
               <p:ext uri="{D42A27DB-BD31-4B8C-83A1-F6EECF244321}">
-                <p14:modId xmlns:p14="http://schemas.microsoft.com/office/powerpoint/2010/main" val="456158550"/>
+                <p14:modId xmlns:p14="http://schemas.microsoft.com/office/powerpoint/2010/main" val="3632347286"/>
               </p:ext>
             </p:extLst>
           </p:nvPr>
         </p:nvGraphicFramePr>
         <p:xfrm>
-          <a:off x="2819400" y="3352800"/>
+          <a:off x="2438400" y="2803919"/>
           <a:ext cx="3747655" cy="1909348"/>
         </p:xfrm>
         <a:graphic>
           <a:graphicData uri="http://schemas.openxmlformats.org/presentationml/2006/ole">
             <mc:AlternateContent xmlns:mc="http://schemas.openxmlformats.org/markup-compatibility/2006">
               <mc:Choice xmlns:v="urn:schemas-microsoft-com:vml" Requires="v">
-                <p:oleObj spid="_x0000_s62483" name="Equation" r:id="rId3" imgW="1346040" imgH="685800" progId="Equation.3">
+                <p:oleObj spid="_x0000_s62488" name="Equation" r:id="rId3" imgW="1346040" imgH="685800" progId="Equation.3">
                   <p:embed/>
                 </p:oleObj>
               </mc:Choice>
@@ -2848,7 +2850,7 @@
                     </p:blipFill>
                     <p:spPr bwMode="auto">
                       <a:xfrm>
-                        <a:off x="2819400" y="3352800"/>
+                        <a:off x="2438400" y="2803919"/>
                         <a:ext cx="3747655" cy="1909348"/>
                       </a:xfrm>
                       <a:prstGeom prst="rect">
@@ -2871,7 +2873,7 @@
         </p:nvSpPr>
         <p:spPr>
           <a:xfrm>
-            <a:off x="1447800" y="1731818"/>
+            <a:off x="1409700" y="1574446"/>
             <a:ext cx="6324600" cy="523220"/>
           </a:xfrm>
           <a:prstGeom prst="rect">
@@ -2893,6 +2895,41 @@
             <a:r>
               <a:rPr lang="en-US" sz="2800" dirty="0" smtClean="0"/>
               <a:t>Elimination - Example</a:t>
+            </a:r>
+            <a:endParaRPr lang="en-US" sz="2800" dirty="0"/>
+          </a:p>
+        </p:txBody>
+      </p:sp>
+      <p:sp>
+        <p:nvSpPr>
+          <p:cNvPr id="6" name="TextBox 5"/>
+          <p:cNvSpPr txBox="1"/>
+          <p:nvPr/>
+        </p:nvSpPr>
+        <p:spPr>
+          <a:xfrm>
+            <a:off x="1494503" y="5262148"/>
+            <a:ext cx="6324600" cy="523220"/>
+          </a:xfrm>
+          <a:prstGeom prst="rect">
+            <a:avLst/>
+          </a:prstGeom>
+          <a:noFill/>
+        </p:spPr>
+        <p:txBody>
+          <a:bodyPr wrap="square" rtlCol="0">
+            <a:spAutoFit/>
+          </a:bodyPr>
+          <a:lstStyle/>
+          <a:p>
+            <a:pPr algn="ctr"/>
+            <a:r>
+              <a:rPr lang="en-US" sz="2800" dirty="0" smtClean="0"/>
+              <a:t>Solved by hand </a:t>
+            </a:r>
+            <a:r>
+              <a:rPr lang="en-US" sz="2800" dirty="0" smtClean="0"/>
+              <a:t>in class</a:t>
             </a:r>
             <a:endParaRPr lang="en-US" sz="2800" dirty="0"/>
           </a:p>
@@ -2970,131 +3007,583 @@
           <a:p>
             <a:r>
               <a:rPr lang="en-US" sz="3200" dirty="0" smtClean="0"/>
-              <a:t>Solid Mechanics (Elasticity) Theory</a:t>
+              <a:t>Solution of Linear Algebraic Equations</a:t>
             </a:r>
             <a:br>
               <a:rPr lang="en-US" sz="3200" dirty="0" smtClean="0"/>
             </a:br>
             <a:r>
-              <a:rPr lang="en-US" sz="2400" dirty="0" smtClean="0"/>
-              <a:t>(see Appendix C, CVE 220 &amp; MCE 301 texts )</a:t>
-            </a:r>
-            <a:endParaRPr lang="en-US" sz="2400" dirty="0"/>
+              <a:rPr lang="en-US" sz="3200" dirty="0" smtClean="0"/>
+              <a:t>(cont.)</a:t>
+            </a:r>
+            <a:endParaRPr lang="en-US" sz="3200" dirty="0"/>
           </a:p>
         </p:txBody>
       </p:sp>
-      <p:pic>
-        <p:nvPicPr>
-          <p:cNvPr id="63490" name="Picture 2"/>
-          <p:cNvPicPr>
-            <a:picLocks noChangeAspect="1" noChangeArrowheads="1"/>
-          </p:cNvPicPr>
+      <p:sp>
+        <p:nvSpPr>
+          <p:cNvPr id="3" name="TextBox 2"/>
+          <p:cNvSpPr txBox="1"/>
           <p:nvPr/>
-        </p:nvPicPr>
-        <p:blipFill>
-          <a:blip r:embed="rId2">
-            <a:extLst>
-              <a:ext uri="{28A0092B-C50C-407E-A947-70E740481C1C}">
-                <a14:useLocalDpi xmlns:a14="http://schemas.microsoft.com/office/drawing/2010/main" val="0"/>
-              </a:ext>
-            </a:extLst>
-          </a:blip>
-          <a:srcRect/>
-          <a:stretch>
-            <a:fillRect/>
-          </a:stretch>
-        </p:blipFill>
-        <p:spPr bwMode="auto">
-          <a:xfrm>
-            <a:off x="5105400" y="2191993"/>
-            <a:ext cx="2505075" cy="2266950"/>
+        </p:nvSpPr>
+        <p:spPr>
+          <a:xfrm>
+            <a:off x="1219200" y="1564732"/>
+            <a:ext cx="6324600" cy="523220"/>
           </a:xfrm>
           <a:prstGeom prst="rect">
             <a:avLst/>
           </a:prstGeom>
           <a:noFill/>
+        </p:spPr>
+        <p:txBody>
+          <a:bodyPr wrap="square" rtlCol="0">
+            <a:spAutoFit/>
+          </a:bodyPr>
+          <a:lstStyle/>
+          <a:p>
+            <a:pPr algn="ctr"/>
+            <a:r>
+              <a:rPr lang="en-US" sz="2800" dirty="0" smtClean="0"/>
+              <a:t>Alternate – solve using </a:t>
+            </a:r>
+            <a:r>
+              <a:rPr lang="en-US" sz="2800" dirty="0" err="1" smtClean="0"/>
+              <a:t>Matlab</a:t>
+            </a:r>
+            <a:endParaRPr lang="en-US" sz="2800" dirty="0"/>
+          </a:p>
+        </p:txBody>
+      </p:sp>
+      <p:sp>
+        <p:nvSpPr>
+          <p:cNvPr id="5" name="Rectangle 4"/>
+          <p:cNvSpPr/>
+          <p:nvPr/>
+        </p:nvSpPr>
+        <p:spPr>
+          <a:xfrm>
+            <a:off x="302342" y="2286000"/>
+            <a:ext cx="2974258" cy="1938992"/>
+          </a:xfrm>
+          <a:prstGeom prst="rect">
+            <a:avLst/>
+          </a:prstGeom>
           <a:ln>
-            <a:noFill/>
+            <a:solidFill>
+              <a:schemeClr val="tx1"/>
+            </a:solidFill>
           </a:ln>
-          <a:extLst>
-            <a:ext uri="{909E8E84-426E-40DD-AFC4-6F175D3DCCD1}">
-              <a14:hiddenFill xmlns:a14="http://schemas.microsoft.com/office/drawing/2010/main">
-                <a:solidFill>
-                  <a:schemeClr val="accent1"/>
-                </a:solidFill>
-              </a14:hiddenFill>
-            </a:ext>
-            <a:ext uri="{91240B29-F687-4F45-9708-019B960494DF}">
-              <a14:hiddenLine xmlns:a14="http://schemas.microsoft.com/office/drawing/2010/main" w="9525">
-                <a:solidFill>
-                  <a:schemeClr val="tx1"/>
-                </a:solidFill>
-                <a:miter lim="800000"/>
-                <a:headEnd/>
-                <a:tailEnd/>
-              </a14:hiddenLine>
-            </a:ext>
-          </a:extLst>
-        </p:spPr>
-      </p:pic>
-      <p:pic>
-        <p:nvPicPr>
-          <p:cNvPr id="63491" name="Picture 3"/>
-          <p:cNvPicPr>
-            <a:picLocks noChangeAspect="1" noChangeArrowheads="1"/>
-          </p:cNvPicPr>
+        </p:spPr>
+        <p:txBody>
+          <a:bodyPr wrap="square">
+            <a:spAutoFit/>
+          </a:bodyPr>
+          <a:lstStyle/>
+          <a:p>
+            <a:r>
+              <a:rPr lang="en-US" sz="1200" dirty="0">
+                <a:latin typeface="Courier New" panose="02070309020205020404" pitchFamily="49" charset="0"/>
+                <a:cs typeface="Courier New" panose="02070309020205020404" pitchFamily="49" charset="0"/>
+              </a:rPr>
+              <a:t>&gt;&gt; A=[2 1 -3;4 -2 3; -2 2 -1]</a:t>
+            </a:r>
+          </a:p>
+          <a:p>
+            <a:r>
+              <a:rPr lang="en-US" sz="1200" dirty="0">
+                <a:latin typeface="Courier New" panose="02070309020205020404" pitchFamily="49" charset="0"/>
+                <a:cs typeface="Courier New" panose="02070309020205020404" pitchFamily="49" charset="0"/>
+              </a:rPr>
+              <a:t>A =</a:t>
+            </a:r>
+          </a:p>
+          <a:p>
+            <a:r>
+              <a:rPr lang="en-US" sz="1200" dirty="0">
+                <a:latin typeface="Courier New" panose="02070309020205020404" pitchFamily="49" charset="0"/>
+                <a:cs typeface="Courier New" panose="02070309020205020404" pitchFamily="49" charset="0"/>
+              </a:rPr>
+              <a:t>     2     1    -3</a:t>
+            </a:r>
+          </a:p>
+          <a:p>
+            <a:r>
+              <a:rPr lang="en-US" sz="1200" dirty="0">
+                <a:latin typeface="Courier New" panose="02070309020205020404" pitchFamily="49" charset="0"/>
+                <a:cs typeface="Courier New" panose="02070309020205020404" pitchFamily="49" charset="0"/>
+              </a:rPr>
+              <a:t>     4    -2     3</a:t>
+            </a:r>
+          </a:p>
+          <a:p>
+            <a:r>
+              <a:rPr lang="en-US" sz="1200" dirty="0">
+                <a:latin typeface="Courier New" panose="02070309020205020404" pitchFamily="49" charset="0"/>
+                <a:cs typeface="Courier New" panose="02070309020205020404" pitchFamily="49" charset="0"/>
+              </a:rPr>
+              <a:t>    -2     2    -1</a:t>
+            </a:r>
+          </a:p>
+          <a:p>
+            <a:r>
+              <a:rPr lang="en-US" sz="1200" dirty="0">
+                <a:latin typeface="Courier New" panose="02070309020205020404" pitchFamily="49" charset="0"/>
+                <a:cs typeface="Courier New" panose="02070309020205020404" pitchFamily="49" charset="0"/>
+              </a:rPr>
+              <a:t>&gt;&gt; b=[11;8;-6]</a:t>
+            </a:r>
+          </a:p>
+          <a:p>
+            <a:r>
+              <a:rPr lang="en-US" sz="1200" dirty="0">
+                <a:latin typeface="Courier New" panose="02070309020205020404" pitchFamily="49" charset="0"/>
+                <a:cs typeface="Courier New" panose="02070309020205020404" pitchFamily="49" charset="0"/>
+              </a:rPr>
+              <a:t>b =</a:t>
+            </a:r>
+          </a:p>
+          <a:p>
+            <a:r>
+              <a:rPr lang="en-US" sz="1200" dirty="0">
+                <a:latin typeface="Courier New" panose="02070309020205020404" pitchFamily="49" charset="0"/>
+                <a:cs typeface="Courier New" panose="02070309020205020404" pitchFamily="49" charset="0"/>
+              </a:rPr>
+              <a:t>    11</a:t>
+            </a:r>
+          </a:p>
+          <a:p>
+            <a:r>
+              <a:rPr lang="en-US" sz="1200" dirty="0">
+                <a:latin typeface="Courier New" panose="02070309020205020404" pitchFamily="49" charset="0"/>
+                <a:cs typeface="Courier New" panose="02070309020205020404" pitchFamily="49" charset="0"/>
+              </a:rPr>
+              <a:t>     8</a:t>
+            </a:r>
+          </a:p>
+          <a:p>
+            <a:r>
+              <a:rPr lang="en-US" sz="1200" dirty="0">
+                <a:latin typeface="Courier New" panose="02070309020205020404" pitchFamily="49" charset="0"/>
+                <a:cs typeface="Courier New" panose="02070309020205020404" pitchFamily="49" charset="0"/>
+              </a:rPr>
+              <a:t>    -6</a:t>
+            </a:r>
+          </a:p>
+        </p:txBody>
+      </p:sp>
+      <p:sp>
+        <p:nvSpPr>
+          <p:cNvPr id="6" name="Rectangle 5"/>
+          <p:cNvSpPr/>
           <p:nvPr/>
-        </p:nvPicPr>
-        <p:blipFill>
-          <a:blip r:embed="rId3">
-            <a:extLst>
-              <a:ext uri="{28A0092B-C50C-407E-A947-70E740481C1C}">
-                <a14:useLocalDpi xmlns:a14="http://schemas.microsoft.com/office/drawing/2010/main" val="0"/>
-              </a:ext>
-            </a:extLst>
-          </a:blip>
-          <a:srcRect/>
-          <a:stretch>
-            <a:fillRect/>
-          </a:stretch>
-        </p:blipFill>
-        <p:spPr bwMode="auto">
-          <a:xfrm>
-            <a:off x="1447800" y="2191993"/>
-            <a:ext cx="3248025" cy="2624459"/>
+        </p:nvSpPr>
+        <p:spPr>
+          <a:xfrm>
+            <a:off x="3546987" y="2290916"/>
+            <a:ext cx="2958281" cy="2862322"/>
           </a:xfrm>
           <a:prstGeom prst="rect">
             <a:avLst/>
           </a:prstGeom>
-          <a:noFill/>
           <a:ln>
-            <a:noFill/>
+            <a:solidFill>
+              <a:schemeClr val="tx1"/>
+            </a:solidFill>
           </a:ln>
-          <a:extLst>
-            <a:ext uri="{909E8E84-426E-40DD-AFC4-6F175D3DCCD1}">
-              <a14:hiddenFill xmlns:a14="http://schemas.microsoft.com/office/drawing/2010/main">
-                <a:solidFill>
-                  <a:schemeClr val="accent1"/>
-                </a:solidFill>
-              </a14:hiddenFill>
-            </a:ext>
-            <a:ext uri="{91240B29-F687-4F45-9708-019B960494DF}">
-              <a14:hiddenLine xmlns:a14="http://schemas.microsoft.com/office/drawing/2010/main" w="9525">
-                <a:solidFill>
-                  <a:schemeClr val="tx1"/>
-                </a:solidFill>
-                <a:miter lim="800000"/>
-                <a:headEnd/>
-                <a:tailEnd/>
-              </a14:hiddenLine>
-            </a:ext>
-          </a:extLst>
-        </p:spPr>
-      </p:pic>
+        </p:spPr>
+        <p:txBody>
+          <a:bodyPr wrap="square">
+            <a:spAutoFit/>
+          </a:bodyPr>
+          <a:lstStyle/>
+          <a:p>
+            <a:r>
+              <a:rPr lang="en-US" sz="1200" dirty="0">
+                <a:latin typeface="Courier New" panose="02070309020205020404" pitchFamily="49" charset="0"/>
+                <a:cs typeface="Courier New" panose="02070309020205020404" pitchFamily="49" charset="0"/>
+              </a:rPr>
+              <a:t>&gt;&gt; </a:t>
+            </a:r>
+            <a:r>
+              <a:rPr lang="en-US" sz="1200" dirty="0" err="1">
+                <a:latin typeface="Courier New" panose="02070309020205020404" pitchFamily="49" charset="0"/>
+                <a:cs typeface="Courier New" panose="02070309020205020404" pitchFamily="49" charset="0"/>
+              </a:rPr>
+              <a:t>Ainv</a:t>
+            </a:r>
+            <a:r>
+              <a:rPr lang="en-US" sz="1200" dirty="0">
+                <a:latin typeface="Courier New" panose="02070309020205020404" pitchFamily="49" charset="0"/>
+                <a:cs typeface="Courier New" panose="02070309020205020404" pitchFamily="49" charset="0"/>
+              </a:rPr>
+              <a:t>=</a:t>
+            </a:r>
+            <a:r>
+              <a:rPr lang="en-US" sz="1200" dirty="0" err="1">
+                <a:latin typeface="Courier New" panose="02070309020205020404" pitchFamily="49" charset="0"/>
+                <a:cs typeface="Courier New" panose="02070309020205020404" pitchFamily="49" charset="0"/>
+              </a:rPr>
+              <a:t>inv</a:t>
+            </a:r>
+            <a:r>
+              <a:rPr lang="en-US" sz="1200" dirty="0">
+                <a:latin typeface="Courier New" panose="02070309020205020404" pitchFamily="49" charset="0"/>
+                <a:cs typeface="Courier New" panose="02070309020205020404" pitchFamily="49" charset="0"/>
+              </a:rPr>
+              <a:t>(A)</a:t>
+            </a:r>
+          </a:p>
+          <a:p>
+            <a:r>
+              <a:rPr lang="en-US" sz="1200" dirty="0" err="1">
+                <a:latin typeface="Courier New" panose="02070309020205020404" pitchFamily="49" charset="0"/>
+                <a:cs typeface="Courier New" panose="02070309020205020404" pitchFamily="49" charset="0"/>
+              </a:rPr>
+              <a:t>Ainv</a:t>
+            </a:r>
+            <a:r>
+              <a:rPr lang="en-US" sz="1200" dirty="0">
+                <a:latin typeface="Courier New" panose="02070309020205020404" pitchFamily="49" charset="0"/>
+                <a:cs typeface="Courier New" panose="02070309020205020404" pitchFamily="49" charset="0"/>
+              </a:rPr>
+              <a:t> =</a:t>
+            </a:r>
+          </a:p>
+          <a:p>
+            <a:r>
+              <a:rPr lang="en-US" sz="1200" dirty="0">
+                <a:latin typeface="Courier New" panose="02070309020205020404" pitchFamily="49" charset="0"/>
+                <a:cs typeface="Courier New" panose="02070309020205020404" pitchFamily="49" charset="0"/>
+              </a:rPr>
+              <a:t>    0.1818    0.2273    0.1364</a:t>
+            </a:r>
+          </a:p>
+          <a:p>
+            <a:r>
+              <a:rPr lang="en-US" sz="1200" dirty="0">
+                <a:latin typeface="Courier New" panose="02070309020205020404" pitchFamily="49" charset="0"/>
+                <a:cs typeface="Courier New" panose="02070309020205020404" pitchFamily="49" charset="0"/>
+              </a:rPr>
+              <a:t>    0.0909    0.3636    0.8182</a:t>
+            </a:r>
+          </a:p>
+          <a:p>
+            <a:r>
+              <a:rPr lang="en-US" sz="1200" dirty="0">
+                <a:latin typeface="Courier New" panose="02070309020205020404" pitchFamily="49" charset="0"/>
+                <a:cs typeface="Courier New" panose="02070309020205020404" pitchFamily="49" charset="0"/>
+              </a:rPr>
+              <a:t>   -0.1818    0.2727    0.3636</a:t>
+            </a:r>
+          </a:p>
+          <a:p>
+            <a:r>
+              <a:rPr lang="en-US" sz="1200" dirty="0">
+                <a:latin typeface="Courier New" panose="02070309020205020404" pitchFamily="49" charset="0"/>
+                <a:cs typeface="Courier New" panose="02070309020205020404" pitchFamily="49" charset="0"/>
+              </a:rPr>
+              <a:t>&gt;&gt; A*</a:t>
+            </a:r>
+            <a:r>
+              <a:rPr lang="en-US" sz="1200" dirty="0" err="1">
+                <a:latin typeface="Courier New" panose="02070309020205020404" pitchFamily="49" charset="0"/>
+                <a:cs typeface="Courier New" panose="02070309020205020404" pitchFamily="49" charset="0"/>
+              </a:rPr>
+              <a:t>Ainv</a:t>
+            </a:r>
+            <a:endParaRPr lang="en-US" sz="1200" dirty="0">
+              <a:latin typeface="Courier New" panose="02070309020205020404" pitchFamily="49" charset="0"/>
+              <a:cs typeface="Courier New" panose="02070309020205020404" pitchFamily="49" charset="0"/>
+            </a:endParaRPr>
+          </a:p>
+          <a:p>
+            <a:r>
+              <a:rPr lang="en-US" sz="1200" dirty="0" err="1">
+                <a:latin typeface="Courier New" panose="02070309020205020404" pitchFamily="49" charset="0"/>
+                <a:cs typeface="Courier New" panose="02070309020205020404" pitchFamily="49" charset="0"/>
+              </a:rPr>
+              <a:t>ans</a:t>
+            </a:r>
+            <a:r>
+              <a:rPr lang="en-US" sz="1200" dirty="0">
+                <a:latin typeface="Courier New" panose="02070309020205020404" pitchFamily="49" charset="0"/>
+                <a:cs typeface="Courier New" panose="02070309020205020404" pitchFamily="49" charset="0"/>
+              </a:rPr>
+              <a:t> =</a:t>
+            </a:r>
+          </a:p>
+          <a:p>
+            <a:r>
+              <a:rPr lang="en-US" sz="1200" dirty="0">
+                <a:latin typeface="Courier New" panose="02070309020205020404" pitchFamily="49" charset="0"/>
+                <a:cs typeface="Courier New" panose="02070309020205020404" pitchFamily="49" charset="0"/>
+              </a:rPr>
+              <a:t>    1.0000         0         0</a:t>
+            </a:r>
+          </a:p>
+          <a:p>
+            <a:r>
+              <a:rPr lang="en-US" sz="1200" dirty="0">
+                <a:latin typeface="Courier New" panose="02070309020205020404" pitchFamily="49" charset="0"/>
+                <a:cs typeface="Courier New" panose="02070309020205020404" pitchFamily="49" charset="0"/>
+              </a:rPr>
+              <a:t>    0.0000    1.0000   -0.0000</a:t>
+            </a:r>
+          </a:p>
+          <a:p>
+            <a:r>
+              <a:rPr lang="en-US" sz="1200" dirty="0">
+                <a:latin typeface="Courier New" panose="02070309020205020404" pitchFamily="49" charset="0"/>
+                <a:cs typeface="Courier New" panose="02070309020205020404" pitchFamily="49" charset="0"/>
+              </a:rPr>
+              <a:t>   -0.0000    0.0000    1.0000</a:t>
+            </a:r>
+          </a:p>
+          <a:p>
+            <a:r>
+              <a:rPr lang="en-US" sz="1200" dirty="0">
+                <a:latin typeface="Courier New" panose="02070309020205020404" pitchFamily="49" charset="0"/>
+                <a:cs typeface="Courier New" panose="02070309020205020404" pitchFamily="49" charset="0"/>
+              </a:rPr>
+              <a:t>&gt;&gt; </a:t>
+            </a:r>
+            <a:r>
+              <a:rPr lang="en-US" sz="1200" dirty="0" err="1">
+                <a:latin typeface="Courier New" panose="02070309020205020404" pitchFamily="49" charset="0"/>
+                <a:cs typeface="Courier New" panose="02070309020205020404" pitchFamily="49" charset="0"/>
+              </a:rPr>
+              <a:t>Ainv</a:t>
+            </a:r>
+            <a:r>
+              <a:rPr lang="en-US" sz="1200" dirty="0">
+                <a:latin typeface="Courier New" panose="02070309020205020404" pitchFamily="49" charset="0"/>
+                <a:cs typeface="Courier New" panose="02070309020205020404" pitchFamily="49" charset="0"/>
+              </a:rPr>
+              <a:t>*A</a:t>
+            </a:r>
+          </a:p>
+          <a:p>
+            <a:r>
+              <a:rPr lang="en-US" sz="1200" dirty="0" err="1">
+                <a:latin typeface="Courier New" panose="02070309020205020404" pitchFamily="49" charset="0"/>
+                <a:cs typeface="Courier New" panose="02070309020205020404" pitchFamily="49" charset="0"/>
+              </a:rPr>
+              <a:t>ans</a:t>
+            </a:r>
+            <a:r>
+              <a:rPr lang="en-US" sz="1200" dirty="0">
+                <a:latin typeface="Courier New" panose="02070309020205020404" pitchFamily="49" charset="0"/>
+                <a:cs typeface="Courier New" panose="02070309020205020404" pitchFamily="49" charset="0"/>
+              </a:rPr>
+              <a:t> =</a:t>
+            </a:r>
+          </a:p>
+          <a:p>
+            <a:r>
+              <a:rPr lang="en-US" sz="1200" dirty="0">
+                <a:latin typeface="Courier New" panose="02070309020205020404" pitchFamily="49" charset="0"/>
+                <a:cs typeface="Courier New" panose="02070309020205020404" pitchFamily="49" charset="0"/>
+              </a:rPr>
+              <a:t>    1.0000         0         0</a:t>
+            </a:r>
+          </a:p>
+          <a:p>
+            <a:r>
+              <a:rPr lang="en-US" sz="1200" dirty="0">
+                <a:latin typeface="Courier New" panose="02070309020205020404" pitchFamily="49" charset="0"/>
+                <a:cs typeface="Courier New" panose="02070309020205020404" pitchFamily="49" charset="0"/>
+              </a:rPr>
+              <a:t>   -0.0000    1.0000   -0.0000</a:t>
+            </a:r>
+          </a:p>
+          <a:p>
+            <a:r>
+              <a:rPr lang="en-US" sz="1200" dirty="0">
+                <a:latin typeface="Courier New" panose="02070309020205020404" pitchFamily="49" charset="0"/>
+                <a:cs typeface="Courier New" panose="02070309020205020404" pitchFamily="49" charset="0"/>
+              </a:rPr>
+              <a:t>   -0.0000         0    1.0000</a:t>
+            </a:r>
+          </a:p>
+        </p:txBody>
+      </p:sp>
+      <p:sp>
+        <p:nvSpPr>
+          <p:cNvPr id="7" name="Rectangle 6"/>
+          <p:cNvSpPr/>
+          <p:nvPr/>
+        </p:nvSpPr>
+        <p:spPr>
+          <a:xfrm>
+            <a:off x="6721577" y="2286000"/>
+            <a:ext cx="1965223" cy="2492990"/>
+          </a:xfrm>
+          <a:prstGeom prst="rect">
+            <a:avLst/>
+          </a:prstGeom>
+          <a:ln>
+            <a:solidFill>
+              <a:schemeClr val="tx1"/>
+            </a:solidFill>
+          </a:ln>
+        </p:spPr>
+        <p:txBody>
+          <a:bodyPr wrap="square">
+            <a:spAutoFit/>
+          </a:bodyPr>
+          <a:lstStyle/>
+          <a:p>
+            <a:r>
+              <a:rPr lang="en-US" sz="1200" dirty="0">
+                <a:latin typeface="Courier New" panose="02070309020205020404" pitchFamily="49" charset="0"/>
+                <a:cs typeface="Courier New" panose="02070309020205020404" pitchFamily="49" charset="0"/>
+              </a:rPr>
+              <a:t>&gt;&gt; </a:t>
+            </a:r>
+            <a:r>
+              <a:rPr lang="en-US" sz="1200" dirty="0" err="1">
+                <a:latin typeface="Courier New" panose="02070309020205020404" pitchFamily="49" charset="0"/>
+                <a:cs typeface="Courier New" panose="02070309020205020404" pitchFamily="49" charset="0"/>
+              </a:rPr>
+              <a:t>det</a:t>
+            </a:r>
+            <a:r>
+              <a:rPr lang="en-US" sz="1200" dirty="0">
+                <a:latin typeface="Courier New" panose="02070309020205020404" pitchFamily="49" charset="0"/>
+                <a:cs typeface="Courier New" panose="02070309020205020404" pitchFamily="49" charset="0"/>
+              </a:rPr>
+              <a:t>(A)</a:t>
+            </a:r>
+          </a:p>
+          <a:p>
+            <a:r>
+              <a:rPr lang="en-US" sz="1200" dirty="0" err="1">
+                <a:latin typeface="Courier New" panose="02070309020205020404" pitchFamily="49" charset="0"/>
+                <a:cs typeface="Courier New" panose="02070309020205020404" pitchFamily="49" charset="0"/>
+              </a:rPr>
+              <a:t>ans</a:t>
+            </a:r>
+            <a:r>
+              <a:rPr lang="en-US" sz="1200" dirty="0">
+                <a:latin typeface="Courier New" panose="02070309020205020404" pitchFamily="49" charset="0"/>
+                <a:cs typeface="Courier New" panose="02070309020205020404" pitchFamily="49" charset="0"/>
+              </a:rPr>
+              <a:t> =</a:t>
+            </a:r>
+          </a:p>
+          <a:p>
+            <a:r>
+              <a:rPr lang="en-US" sz="1200" dirty="0">
+                <a:latin typeface="Courier New" panose="02070309020205020404" pitchFamily="49" charset="0"/>
+                <a:cs typeface="Courier New" panose="02070309020205020404" pitchFamily="49" charset="0"/>
+              </a:rPr>
+              <a:t>   -22</a:t>
+            </a:r>
+          </a:p>
+          <a:p>
+            <a:r>
+              <a:rPr lang="en-US" sz="1200" dirty="0">
+                <a:latin typeface="Courier New" panose="02070309020205020404" pitchFamily="49" charset="0"/>
+                <a:cs typeface="Courier New" panose="02070309020205020404" pitchFamily="49" charset="0"/>
+              </a:rPr>
+              <a:t>&gt;&gt; x=A\b</a:t>
+            </a:r>
+          </a:p>
+          <a:p>
+            <a:r>
+              <a:rPr lang="en-US" sz="1200" dirty="0">
+                <a:latin typeface="Courier New" panose="02070309020205020404" pitchFamily="49" charset="0"/>
+                <a:cs typeface="Courier New" panose="02070309020205020404" pitchFamily="49" charset="0"/>
+              </a:rPr>
+              <a:t>x =</a:t>
+            </a:r>
+          </a:p>
+          <a:p>
+            <a:r>
+              <a:rPr lang="en-US" sz="1200" dirty="0">
+                <a:latin typeface="Courier New" panose="02070309020205020404" pitchFamily="49" charset="0"/>
+                <a:cs typeface="Courier New" panose="02070309020205020404" pitchFamily="49" charset="0"/>
+              </a:rPr>
+              <a:t>     3</a:t>
+            </a:r>
+          </a:p>
+          <a:p>
+            <a:r>
+              <a:rPr lang="en-US" sz="1200" dirty="0">
+                <a:latin typeface="Courier New" panose="02070309020205020404" pitchFamily="49" charset="0"/>
+                <a:cs typeface="Courier New" panose="02070309020205020404" pitchFamily="49" charset="0"/>
+              </a:rPr>
+              <a:t>    -1</a:t>
+            </a:r>
+          </a:p>
+          <a:p>
+            <a:r>
+              <a:rPr lang="en-US" sz="1200" dirty="0">
+                <a:latin typeface="Courier New" panose="02070309020205020404" pitchFamily="49" charset="0"/>
+                <a:cs typeface="Courier New" panose="02070309020205020404" pitchFamily="49" charset="0"/>
+              </a:rPr>
+              <a:t>    -2</a:t>
+            </a:r>
+          </a:p>
+          <a:p>
+            <a:r>
+              <a:rPr lang="en-US" sz="1200" dirty="0">
+                <a:latin typeface="Courier New" panose="02070309020205020404" pitchFamily="49" charset="0"/>
+                <a:cs typeface="Courier New" panose="02070309020205020404" pitchFamily="49" charset="0"/>
+              </a:rPr>
+              <a:t>&gt;&gt; A*x</a:t>
+            </a:r>
+          </a:p>
+          <a:p>
+            <a:r>
+              <a:rPr lang="en-US" sz="1200" dirty="0" err="1">
+                <a:latin typeface="Courier New" panose="02070309020205020404" pitchFamily="49" charset="0"/>
+                <a:cs typeface="Courier New" panose="02070309020205020404" pitchFamily="49" charset="0"/>
+              </a:rPr>
+              <a:t>ans</a:t>
+            </a:r>
+            <a:r>
+              <a:rPr lang="en-US" sz="1200" dirty="0">
+                <a:latin typeface="Courier New" panose="02070309020205020404" pitchFamily="49" charset="0"/>
+                <a:cs typeface="Courier New" panose="02070309020205020404" pitchFamily="49" charset="0"/>
+              </a:rPr>
+              <a:t> =</a:t>
+            </a:r>
+          </a:p>
+          <a:p>
+            <a:r>
+              <a:rPr lang="en-US" sz="1200" dirty="0">
+                <a:latin typeface="Courier New" panose="02070309020205020404" pitchFamily="49" charset="0"/>
+                <a:cs typeface="Courier New" panose="02070309020205020404" pitchFamily="49" charset="0"/>
+              </a:rPr>
+              <a:t>    11</a:t>
+            </a:r>
+          </a:p>
+          <a:p>
+            <a:r>
+              <a:rPr lang="en-US" sz="1200" dirty="0">
+                <a:latin typeface="Courier New" panose="02070309020205020404" pitchFamily="49" charset="0"/>
+                <a:cs typeface="Courier New" panose="02070309020205020404" pitchFamily="49" charset="0"/>
+              </a:rPr>
+              <a:t>     8</a:t>
+            </a:r>
+          </a:p>
+          <a:p>
+            <a:r>
+              <a:rPr lang="en-US" sz="1200" dirty="0">
+                <a:latin typeface="Courier New" panose="02070309020205020404" pitchFamily="49" charset="0"/>
+                <a:cs typeface="Courier New" panose="02070309020205020404" pitchFamily="49" charset="0"/>
+              </a:rPr>
+              <a:t>    -6</a:t>
+            </a:r>
+          </a:p>
+        </p:txBody>
+      </p:sp>
     </p:spTree>
     <p:extLst>
       <p:ext uri="{BB962C8B-B14F-4D97-AF65-F5344CB8AC3E}">
-        <p14:creationId xmlns:p14="http://schemas.microsoft.com/office/powerpoint/2010/main" val="630831135"/>
+        <p14:creationId xmlns:p14="http://schemas.microsoft.com/office/powerpoint/2010/main" val="3691958321"/>
       </p:ext>
     </p:extLst>
   </p:cSld>
@@ -3168,15 +3657,22 @@
           <a:p>
             <a:r>
               <a:rPr lang="en-US" sz="3200" dirty="0" smtClean="0"/>
-              <a:t>Equilibrium (2D Stress States)</a:t>
-            </a:r>
-            <a:endParaRPr lang="en-US" sz="3200" dirty="0"/>
+              <a:t>Solid Mechanics (Elasticity) Theory</a:t>
+            </a:r>
+            <a:br>
+              <a:rPr lang="en-US" sz="3200" dirty="0" smtClean="0"/>
+            </a:br>
+            <a:r>
+              <a:rPr lang="en-US" sz="2400" dirty="0" smtClean="0"/>
+              <a:t>(see Appendix C, CVE 220 &amp; MCE 301 texts )</a:t>
+            </a:r>
+            <a:endParaRPr lang="en-US" sz="2400" dirty="0"/>
           </a:p>
         </p:txBody>
       </p:sp>
       <p:pic>
         <p:nvPicPr>
-          <p:cNvPr id="64514" name="Picture 2"/>
+          <p:cNvPr id="63490" name="Picture 2"/>
           <p:cNvPicPr>
             <a:picLocks noChangeAspect="1" noChangeArrowheads="1"/>
           </p:cNvPicPr>
@@ -3197,8 +3693,8 @@
         </p:blipFill>
         <p:spPr bwMode="auto">
           <a:xfrm>
-            <a:off x="5486400" y="2667000"/>
-            <a:ext cx="2514600" cy="1570029"/>
+            <a:off x="5105400" y="2191993"/>
+            <a:ext cx="2505075" cy="2266950"/>
           </a:xfrm>
           <a:prstGeom prst="rect">
             <a:avLst/>
@@ -3230,7 +3726,7 @@
       </p:pic>
       <p:pic>
         <p:nvPicPr>
-          <p:cNvPr id="64515" name="Picture 3"/>
+          <p:cNvPr id="63491" name="Picture 3"/>
           <p:cNvPicPr>
             <a:picLocks noChangeAspect="1" noChangeArrowheads="1"/>
           </p:cNvPicPr>
@@ -3251,8 +3747,8 @@
         </p:blipFill>
         <p:spPr bwMode="auto">
           <a:xfrm>
-            <a:off x="914400" y="1905000"/>
-            <a:ext cx="4095750" cy="2857500"/>
+            <a:off x="1447800" y="2191993"/>
+            <a:ext cx="3248025" cy="2624459"/>
           </a:xfrm>
           <a:prstGeom prst="rect">
             <a:avLst/>
@@ -3285,7 +3781,7 @@
     </p:spTree>
     <p:extLst>
       <p:ext uri="{BB962C8B-B14F-4D97-AF65-F5344CB8AC3E}">
-        <p14:creationId xmlns:p14="http://schemas.microsoft.com/office/powerpoint/2010/main" val="2610010314"/>
+        <p14:creationId xmlns:p14="http://schemas.microsoft.com/office/powerpoint/2010/main" val="630831135"/>
       </p:ext>
     </p:extLst>
   </p:cSld>
@@ -3359,7 +3855,7 @@
           <a:p>
             <a:r>
               <a:rPr lang="en-US" sz="3200" dirty="0" smtClean="0"/>
-              <a:t>Equilibrium (3D Stress States)</a:t>
+              <a:t>Equilibrium (2D Stress States)</a:t>
             </a:r>
             <a:endParaRPr lang="en-US" sz="3200" dirty="0"/>
           </a:p>
@@ -3367,7 +3863,7 @@
       </p:sp>
       <p:pic>
         <p:nvPicPr>
-          <p:cNvPr id="65538" name="Picture 2"/>
+          <p:cNvPr id="64514" name="Picture 2"/>
           <p:cNvPicPr>
             <a:picLocks noChangeAspect="1" noChangeArrowheads="1"/>
           </p:cNvPicPr>
@@ -3388,8 +3884,8 @@
         </p:blipFill>
         <p:spPr bwMode="auto">
           <a:xfrm>
-            <a:off x="4876800" y="2085109"/>
-            <a:ext cx="3505200" cy="2525073"/>
+            <a:off x="5486400" y="2667000"/>
+            <a:ext cx="2514600" cy="1570029"/>
           </a:xfrm>
           <a:prstGeom prst="rect">
             <a:avLst/>
@@ -3421,7 +3917,7 @@
       </p:pic>
       <p:pic>
         <p:nvPicPr>
-          <p:cNvPr id="65539" name="Picture 3"/>
+          <p:cNvPr id="64515" name="Picture 3"/>
           <p:cNvPicPr>
             <a:picLocks noChangeAspect="1" noChangeArrowheads="1"/>
           </p:cNvPicPr>
@@ -3442,8 +3938,8 @@
         </p:blipFill>
         <p:spPr bwMode="auto">
           <a:xfrm>
-            <a:off x="609600" y="1877291"/>
-            <a:ext cx="4143375" cy="3438525"/>
+            <a:off x="914400" y="1905000"/>
+            <a:ext cx="4095750" cy="2857500"/>
           </a:xfrm>
           <a:prstGeom prst="rect">
             <a:avLst/>
@@ -3473,16 +3969,99 @@
           </a:extLst>
         </p:spPr>
       </p:pic>
+    </p:spTree>
+    <p:extLst>
+      <p:ext uri="{BB962C8B-B14F-4D97-AF65-F5344CB8AC3E}">
+        <p14:creationId xmlns:p14="http://schemas.microsoft.com/office/powerpoint/2010/main" val="2610010314"/>
+      </p:ext>
+    </p:extLst>
+  </p:cSld>
+  <p:clrMapOvr>
+    <a:masterClrMapping/>
+  </p:clrMapOvr>
+  <p:timing>
+    <p:tnLst>
+      <p:par>
+        <p:cTn id="1" dur="indefinite" restart="never" nodeType="tmRoot"/>
+      </p:par>
+    </p:tnLst>
+  </p:timing>
+</p:sld>
+</file>
+
+<file path=ppt/slides/slide15.xml><?xml version="1.0" encoding="utf-8"?>
+<p:sld xmlns:a="http://schemas.openxmlformats.org/drawingml/2006/main" xmlns:r="http://schemas.openxmlformats.org/officeDocument/2006/relationships" xmlns:p="http://schemas.openxmlformats.org/presentationml/2006/main">
+  <p:cSld>
+    <p:spTree>
+      <p:nvGrpSpPr>
+        <p:cNvPr id="1" name=""/>
+        <p:cNvGrpSpPr/>
+        <p:nvPr/>
+      </p:nvGrpSpPr>
+      <p:grpSpPr>
+        <a:xfrm>
+          <a:off x="0" y="0"/>
+          <a:ext cx="0" cy="0"/>
+          <a:chOff x="0" y="0"/>
+          <a:chExt cx="0" cy="0"/>
+        </a:xfrm>
+      </p:grpSpPr>
+      <p:sp>
+        <p:nvSpPr>
+          <p:cNvPr id="2" name="Title 1"/>
+          <p:cNvSpPr txBox="1">
+            <a:spLocks/>
+          </p:cNvSpPr>
+          <p:nvPr/>
+        </p:nvSpPr>
+        <p:spPr>
+          <a:xfrm>
+            <a:off x="457200" y="228600"/>
+            <a:ext cx="8229600" cy="1143000"/>
+          </a:xfrm>
+          <a:prstGeom prst="rect">
+            <a:avLst/>
+          </a:prstGeom>
+        </p:spPr>
+        <p:txBody>
+          <a:bodyPr>
+            <a:normAutofit/>
+          </a:bodyPr>
+          <a:lstStyle>
+            <a:lvl1pPr algn="ctr" defTabSz="914400" rtl="0" eaLnBrk="1" latinLnBrk="0" hangingPunct="1">
+              <a:spcBef>
+                <a:spcPct val="0"/>
+              </a:spcBef>
+              <a:buNone/>
+              <a:defRPr sz="4400" kern="1200">
+                <a:solidFill>
+                  <a:schemeClr val="tx1"/>
+                </a:solidFill>
+                <a:latin typeface="+mj-lt"/>
+                <a:ea typeface="+mj-ea"/>
+                <a:cs typeface="+mj-cs"/>
+              </a:defRPr>
+            </a:lvl1pPr>
+          </a:lstStyle>
+          <a:p>
+            <a:r>
+              <a:rPr lang="en-US" sz="3200" dirty="0" smtClean="0"/>
+              <a:t>Equilibrium (3D Stress States)</a:t>
+            </a:r>
+            <a:endParaRPr lang="en-US" sz="3200" dirty="0"/>
+          </a:p>
+        </p:txBody>
+      </p:sp>
       <p:pic>
         <p:nvPicPr>
-          <p:cNvPr id="65540" name="Picture 4"/>
+          <p:cNvPr id="65538" name="Picture 2"/>
           <p:cNvPicPr>
             <a:picLocks noChangeAspect="1" noChangeArrowheads="1"/>
           </p:cNvPicPr>
           <p:nvPr/>
         </p:nvPicPr>
         <p:blipFill>
-          <a:blip r:embed="rId4">
+          <a:blip r:embed="rId2">
             <a:extLst>
               <a:ext uri="{28A0092B-C50C-407E-A947-70E740481C1C}">
                 <a14:useLocalDpi xmlns:a14="http://schemas.microsoft.com/office/drawing/2010/main" val="0"/>
@@ -3496,8 +4075,8 @@
         </p:blipFill>
         <p:spPr bwMode="auto">
           <a:xfrm>
-            <a:off x="780720" y="5310188"/>
-            <a:ext cx="3801133" cy="551584"/>
+            <a:off x="4876800" y="2085109"/>
+            <a:ext cx="3505200" cy="2525073"/>
           </a:xfrm>
           <a:prstGeom prst="rect">
             <a:avLst/>
@@ -3527,6 +4106,114 @@
           </a:extLst>
         </p:spPr>
       </p:pic>
+      <p:pic>
+        <p:nvPicPr>
+          <p:cNvPr id="65539" name="Picture 3"/>
+          <p:cNvPicPr>
+            <a:picLocks noChangeAspect="1" noChangeArrowheads="1"/>
+          </p:cNvPicPr>
+          <p:nvPr/>
+        </p:nvPicPr>
+        <p:blipFill>
+          <a:blip r:embed="rId3">
+            <a:extLst>
+              <a:ext uri="{28A0092B-C50C-407E-A947-70E740481C1C}">
+                <a14:useLocalDpi xmlns:a14="http://schemas.microsoft.com/office/drawing/2010/main" val="0"/>
+              </a:ext>
+            </a:extLst>
+          </a:blip>
+          <a:srcRect/>
+          <a:stretch>
+            <a:fillRect/>
+          </a:stretch>
+        </p:blipFill>
+        <p:spPr bwMode="auto">
+          <a:xfrm>
+            <a:off x="609600" y="1877291"/>
+            <a:ext cx="4143375" cy="3438525"/>
+          </a:xfrm>
+          <a:prstGeom prst="rect">
+            <a:avLst/>
+          </a:prstGeom>
+          <a:noFill/>
+          <a:ln>
+            <a:noFill/>
+          </a:ln>
+          <a:extLst>
+            <a:ext uri="{909E8E84-426E-40DD-AFC4-6F175D3DCCD1}">
+              <a14:hiddenFill xmlns:a14="http://schemas.microsoft.com/office/drawing/2010/main">
+                <a:solidFill>
+                  <a:schemeClr val="accent1"/>
+                </a:solidFill>
+              </a14:hiddenFill>
+            </a:ext>
+            <a:ext uri="{91240B29-F687-4F45-9708-019B960494DF}">
+              <a14:hiddenLine xmlns:a14="http://schemas.microsoft.com/office/drawing/2010/main" w="9525">
+                <a:solidFill>
+                  <a:schemeClr val="tx1"/>
+                </a:solidFill>
+                <a:miter lim="800000"/>
+                <a:headEnd/>
+                <a:tailEnd/>
+              </a14:hiddenLine>
+            </a:ext>
+          </a:extLst>
+        </p:spPr>
+      </p:pic>
+      <p:pic>
+        <p:nvPicPr>
+          <p:cNvPr id="65540" name="Picture 4"/>
+          <p:cNvPicPr>
+            <a:picLocks noChangeAspect="1" noChangeArrowheads="1"/>
+          </p:cNvPicPr>
+          <p:nvPr/>
+        </p:nvPicPr>
+        <p:blipFill>
+          <a:blip r:embed="rId4">
+            <a:extLst>
+              <a:ext uri="{28A0092B-C50C-407E-A947-70E740481C1C}">
+                <a14:useLocalDpi xmlns:a14="http://schemas.microsoft.com/office/drawing/2010/main" val="0"/>
+              </a:ext>
+            </a:extLst>
+          </a:blip>
+          <a:srcRect/>
+          <a:stretch>
+            <a:fillRect/>
+          </a:stretch>
+        </p:blipFill>
+        <p:spPr bwMode="auto">
+          <a:xfrm>
+            <a:off x="780720" y="5310188"/>
+            <a:ext cx="3801133" cy="551584"/>
+          </a:xfrm>
+          <a:prstGeom prst="rect">
+            <a:avLst/>
+          </a:prstGeom>
+          <a:noFill/>
+          <a:ln>
+            <a:noFill/>
+          </a:ln>
+          <a:extLst>
+            <a:ext uri="{909E8E84-426E-40DD-AFC4-6F175D3DCCD1}">
+              <a14:hiddenFill xmlns:a14="http://schemas.microsoft.com/office/drawing/2010/main">
+                <a:solidFill>
+                  <a:schemeClr val="accent1"/>
+                </a:solidFill>
+              </a14:hiddenFill>
+            </a:ext>
+            <a:ext uri="{91240B29-F687-4F45-9708-019B960494DF}">
+              <a14:hiddenLine xmlns:a14="http://schemas.microsoft.com/office/drawing/2010/main" w="9525">
+                <a:solidFill>
+                  <a:schemeClr val="tx1"/>
+                </a:solidFill>
+                <a:miter lim="800000"/>
+                <a:headEnd/>
+                <a:tailEnd/>
+              </a14:hiddenLine>
+            </a:ext>
+          </a:extLst>
+        </p:spPr>
+      </p:pic>
     </p:spTree>
     <p:extLst>
       <p:ext uri="{BB962C8B-B14F-4D97-AF65-F5344CB8AC3E}">
@@ -3547,7 +4234,7 @@
 </p:sld>
 </file>
 
-<file path=ppt/slides/slide15.xml><?xml version="1.0" encoding="utf-8"?>
+<file path=ppt/slides/slide16.xml><?xml version="1.0" encoding="utf-8"?>
 <p:sld xmlns:a="http://schemas.openxmlformats.org/drawingml/2006/main" xmlns:r="http://schemas.openxmlformats.org/officeDocument/2006/relationships" xmlns:p="http://schemas.openxmlformats.org/presentationml/2006/main">
   <p:cSld>
     <p:spTree>
@@ -3852,7 +4539,7 @@
 </p:sld>
 </file>
 
-<file path=ppt/slides/slide16.xml><?xml version="1.0" encoding="utf-8"?>
+<file path=ppt/slides/slide17.xml><?xml version="1.0" encoding="utf-8"?>
 <p:sld xmlns:a="http://schemas.openxmlformats.org/drawingml/2006/main" xmlns:r="http://schemas.openxmlformats.org/officeDocument/2006/relationships" xmlns:p="http://schemas.openxmlformats.org/presentationml/2006/main">
   <p:cSld>
     <p:spTree>
@@ -4273,7 +4960,7 @@
 </p:sld>
 </file>
 
-<file path=ppt/slides/slide17.xml><?xml version="1.0" encoding="utf-8"?>
+<file path=ppt/slides/slide18.xml><?xml version="1.0" encoding="utf-8"?>
 <p:sld xmlns:a="http://schemas.openxmlformats.org/drawingml/2006/main" xmlns:r="http://schemas.openxmlformats.org/officeDocument/2006/relationships" xmlns:p="http://schemas.openxmlformats.org/presentationml/2006/main">
   <p:cSld>
     <p:spTree>
@@ -4464,7 +5151,7 @@
 </p:sld>
 </file>
 
-<file path=ppt/slides/slide18.xml><?xml version="1.0" encoding="utf-8"?>
+<file path=ppt/slides/slide19.xml><?xml version="1.0" encoding="utf-8"?>
 <p:sld xmlns:a="http://schemas.openxmlformats.org/drawingml/2006/main" xmlns:r="http://schemas.openxmlformats.org/officeDocument/2006/relationships" xmlns:p="http://schemas.openxmlformats.org/presentationml/2006/main">
   <p:cSld>
     <p:spTree>
@@ -4581,153 +5268,16 @@
           </a:p>
         </p:txBody>
       </p:sp>
-    </p:spTree>
-    <p:extLst>
-      <p:ext uri="{BB962C8B-B14F-4D97-AF65-F5344CB8AC3E}">
-        <p14:creationId xmlns:p14="http://schemas.microsoft.com/office/powerpoint/2010/main" val="2538837137"/>
-      </p:ext>
-    </p:extLst>
-  </p:cSld>
-  <p:clrMapOvr>
-    <a:masterClrMapping/>
-  </p:clrMapOvr>
-  <p:timing>
-    <p:tnLst>
-      <p:par>
-        <p:cTn id="1" dur="indefinite" restart="never" nodeType="tmRoot"/>
-      </p:par>
-    </p:tnLst>
-  </p:timing>
-</p:sld>
-</file>
-
-<file path=ppt/slides/slide19.xml><?xml version="1.0" encoding="utf-8"?>
-<p:sld xmlns:a="http://schemas.openxmlformats.org/drawingml/2006/main" xmlns:r="http://schemas.openxmlformats.org/officeDocument/2006/relationships" xmlns:p="http://schemas.openxmlformats.org/presentationml/2006/main">
-  <p:cSld>
-    <p:spTree>
-      <p:nvGrpSpPr>
-        <p:cNvPr id="1" name=""/>
-        <p:cNvGrpSpPr/>
-        <p:nvPr/>
-      </p:nvGrpSpPr>
-      <p:grpSpPr>
-        <a:xfrm>
-          <a:off x="0" y="0"/>
-          <a:ext cx="0" cy="0"/>
-          <a:chOff x="0" y="0"/>
-          <a:chExt cx="0" cy="0"/>
-        </a:xfrm>
-      </p:grpSpPr>
-      <p:pic>
-        <p:nvPicPr>
-          <p:cNvPr id="71682" name="Picture 2"/>
-          <p:cNvPicPr>
-            <a:picLocks noChangeAspect="1" noChangeArrowheads="1"/>
-          </p:cNvPicPr>
-          <p:nvPr/>
-        </p:nvPicPr>
-        <p:blipFill>
-          <a:blip r:embed="rId3">
-            <a:extLst>
-              <a:ext uri="{28A0092B-C50C-407E-A947-70E740481C1C}">
-                <a14:useLocalDpi xmlns:a14="http://schemas.microsoft.com/office/drawing/2010/main" val="0"/>
-              </a:ext>
-            </a:extLst>
-          </a:blip>
-          <a:srcRect/>
-          <a:stretch>
-            <a:fillRect/>
-          </a:stretch>
-        </p:blipFill>
-        <p:spPr bwMode="auto">
-          <a:xfrm>
-            <a:off x="4800600" y="1406236"/>
-            <a:ext cx="3495675" cy="2114550"/>
-          </a:xfrm>
-          <a:prstGeom prst="rect">
-            <a:avLst/>
-          </a:prstGeom>
-          <a:noFill/>
-          <a:ln>
-            <a:noFill/>
-          </a:ln>
-          <a:extLst>
-            <a:ext uri="{909E8E84-426E-40DD-AFC4-6F175D3DCCD1}">
-              <a14:hiddenFill xmlns:a14="http://schemas.microsoft.com/office/drawing/2010/main">
-                <a:solidFill>
-                  <a:schemeClr val="accent1"/>
-                </a:solidFill>
-              </a14:hiddenFill>
-            </a:ext>
-            <a:ext uri="{91240B29-F687-4F45-9708-019B960494DF}">
-              <a14:hiddenLine xmlns:a14="http://schemas.microsoft.com/office/drawing/2010/main" w="9525">
-                <a:solidFill>
-                  <a:schemeClr val="tx1"/>
-                </a:solidFill>
-                <a:miter lim="800000"/>
-                <a:headEnd/>
-                <a:tailEnd/>
-              </a14:hiddenLine>
-            </a:ext>
-          </a:extLst>
-        </p:spPr>
-      </p:pic>
-      <p:sp>
-        <p:nvSpPr>
-          <p:cNvPr id="3" name="Title 1"/>
-          <p:cNvSpPr txBox="1">
-            <a:spLocks/>
-          </p:cNvSpPr>
-          <p:nvPr/>
-        </p:nvSpPr>
-        <p:spPr>
-          <a:xfrm>
-            <a:off x="457200" y="228600"/>
-            <a:ext cx="8229600" cy="1143000"/>
-          </a:xfrm>
-          <a:prstGeom prst="rect">
-            <a:avLst/>
-          </a:prstGeom>
-        </p:spPr>
-        <p:txBody>
-          <a:bodyPr>
-            <a:normAutofit/>
-          </a:bodyPr>
-          <a:lstStyle>
-            <a:lvl1pPr algn="ctr" defTabSz="914400" rtl="0" eaLnBrk="1" latinLnBrk="0" hangingPunct="1">
-              <a:spcBef>
-                <a:spcPct val="0"/>
-              </a:spcBef>
-              <a:buNone/>
-              <a:defRPr sz="4400" kern="1200">
-                <a:solidFill>
-                  <a:schemeClr val="tx1"/>
-                </a:solidFill>
-                <a:latin typeface="+mj-lt"/>
-                <a:ea typeface="+mj-ea"/>
-                <a:cs typeface="+mj-cs"/>
-              </a:defRPr>
-            </a:lvl1pPr>
-          </a:lstStyle>
-          <a:p>
-            <a:r>
-              <a:rPr lang="en-US" sz="3200" dirty="0" smtClean="0"/>
-              <a:t>Beam Bending</a:t>
-            </a:r>
-            <a:endParaRPr lang="en-US" sz="3200" dirty="0"/>
-          </a:p>
-        </p:txBody>
-      </p:sp>
-      <p:sp>
-        <p:nvSpPr>
-          <p:cNvPr id="4" name="TextBox 3"/>
+      <p:sp>
+        <p:nvSpPr>
+          <p:cNvPr id="2" name="TextBox 1"/>
           <p:cNvSpPr txBox="1"/>
           <p:nvPr/>
         </p:nvSpPr>
         <p:spPr>
           <a:xfrm>
-            <a:off x="838200" y="1600200"/>
-            <a:ext cx="3505200" cy="369332"/>
+            <a:off x="6019800" y="1230331"/>
+            <a:ext cx="2209800" cy="646331"/>
           </a:xfrm>
           <a:prstGeom prst="rect">
             <a:avLst/>
@@ -4740,220 +5290,55 @@
           </a:bodyPr>
           <a:lstStyle/>
           <a:p>
+            <a:pPr algn="ctr"/>
             <a:r>
               <a:rPr lang="en-US" dirty="0" smtClean="0"/>
-              <a:t>Moment-curvature (</a:t>
-            </a:r>
-            <a:r>
-              <a:rPr lang="en-US" dirty="0" smtClean="0">
-                <a:sym typeface="Symbol"/>
-              </a:rPr>
-              <a:t>)</a:t>
-            </a:r>
-            <a:r>
-              <a:rPr lang="en-US" dirty="0" smtClean="0"/>
-              <a:t> relation</a:t>
+              <a:t>[D] - Constitutive Stiffness matrix (6X6) </a:t>
             </a:r>
             <a:endParaRPr lang="en-US" dirty="0"/>
           </a:p>
         </p:txBody>
       </p:sp>
-      <p:pic>
-        <p:nvPicPr>
-          <p:cNvPr id="71683" name="Picture 3"/>
-          <p:cNvPicPr>
-            <a:picLocks noChangeAspect="1" noChangeArrowheads="1"/>
-          </p:cNvPicPr>
+      <p:cxnSp>
+        <p:nvCxnSpPr>
+          <p:cNvPr id="5" name="Straight Arrow Connector 4"/>
+          <p:cNvCxnSpPr/>
           <p:nvPr/>
-        </p:nvPicPr>
-        <p:blipFill>
-          <a:blip r:embed="rId4">
-            <a:extLst>
-              <a:ext uri="{28A0092B-C50C-407E-A947-70E740481C1C}">
-                <a14:useLocalDpi xmlns:a14="http://schemas.microsoft.com/office/drawing/2010/main" val="0"/>
-              </a:ext>
-            </a:extLst>
-          </a:blip>
-          <a:srcRect/>
-          <a:stretch>
-            <a:fillRect/>
-          </a:stretch>
-        </p:blipFill>
-        <p:spPr bwMode="auto">
-          <a:xfrm>
-            <a:off x="1675795" y="2190186"/>
-            <a:ext cx="2293306" cy="781614"/>
-          </a:xfrm>
-          <a:prstGeom prst="rect">
-            <a:avLst/>
-          </a:prstGeom>
-          <a:noFill/>
-          <a:ln>
-            <a:noFill/>
+        </p:nvCxnSpPr>
+        <p:spPr>
+          <a:xfrm flipH="1">
+            <a:off x="5410200" y="1847165"/>
+            <a:ext cx="609600" cy="609600"/>
+          </a:xfrm>
+          <a:prstGeom prst="straightConnector1">
+            <a:avLst/>
+          </a:prstGeom>
+          <a:ln w="47625">
+            <a:solidFill>
+              <a:srgbClr val="FF0000"/>
+            </a:solidFill>
+            <a:tailEnd type="triangle"/>
           </a:ln>
-          <a:extLst>
-            <a:ext uri="{909E8E84-426E-40DD-AFC4-6F175D3DCCD1}">
-              <a14:hiddenFill xmlns:a14="http://schemas.microsoft.com/office/drawing/2010/main">
-                <a:solidFill>
-                  <a:schemeClr val="accent1"/>
-                </a:solidFill>
-              </a14:hiddenFill>
-            </a:ext>
-            <a:ext uri="{91240B29-F687-4F45-9708-019B960494DF}">
-              <a14:hiddenLine xmlns:a14="http://schemas.microsoft.com/office/drawing/2010/main" w="9525">
-                <a:solidFill>
-                  <a:schemeClr val="tx1"/>
-                </a:solidFill>
-                <a:miter lim="800000"/>
-                <a:headEnd/>
-                <a:tailEnd/>
-              </a14:hiddenLine>
-            </a:ext>
-          </a:extLst>
-        </p:spPr>
-      </p:pic>
-      <p:sp>
-        <p:nvSpPr>
-          <p:cNvPr id="6" name="TextBox 5"/>
-          <p:cNvSpPr txBox="1"/>
-          <p:nvPr/>
-        </p:nvSpPr>
-        <p:spPr>
-          <a:xfrm>
-            <a:off x="838200" y="3921930"/>
-            <a:ext cx="4876800" cy="369332"/>
-          </a:xfrm>
-          <a:prstGeom prst="rect">
-            <a:avLst/>
-          </a:prstGeom>
-          <a:noFill/>
-        </p:spPr>
-        <p:txBody>
-          <a:bodyPr wrap="square" rtlCol="0">
-            <a:spAutoFit/>
-          </a:bodyPr>
-          <a:lstStyle/>
-          <a:p>
-            <a:r>
-              <a:rPr lang="en-US" dirty="0" smtClean="0"/>
-              <a:t>Moment of Inertia (rectangular cross-section)</a:t>
-            </a:r>
-            <a:endParaRPr lang="en-US" dirty="0"/>
-          </a:p>
-        </p:txBody>
-      </p:sp>
-      <p:pic>
-        <p:nvPicPr>
-          <p:cNvPr id="71684" name="Picture 4"/>
-          <p:cNvPicPr>
-            <a:picLocks noChangeAspect="1" noChangeArrowheads="1"/>
-          </p:cNvPicPr>
-          <p:nvPr/>
-        </p:nvPicPr>
-        <p:blipFill>
-          <a:blip r:embed="rId5">
-            <a:extLst>
-              <a:ext uri="{28A0092B-C50C-407E-A947-70E740481C1C}">
-                <a14:useLocalDpi xmlns:a14="http://schemas.microsoft.com/office/drawing/2010/main" val="0"/>
-              </a:ext>
-            </a:extLst>
-          </a:blip>
-          <a:srcRect/>
-          <a:stretch>
-            <a:fillRect/>
-          </a:stretch>
-        </p:blipFill>
-        <p:spPr bwMode="auto">
-          <a:xfrm>
-            <a:off x="5715000" y="4291260"/>
-            <a:ext cx="1296950" cy="1569699"/>
-          </a:xfrm>
-          <a:prstGeom prst="rect">
-            <a:avLst/>
-          </a:prstGeom>
-          <a:noFill/>
-          <a:ln>
-            <a:noFill/>
-          </a:ln>
-          <a:extLst>
-            <a:ext uri="{909E8E84-426E-40DD-AFC4-6F175D3DCCD1}">
-              <a14:hiddenFill xmlns:a14="http://schemas.microsoft.com/office/drawing/2010/main">
-                <a:solidFill>
-                  <a:schemeClr val="accent1"/>
-                </a:solidFill>
-              </a14:hiddenFill>
-            </a:ext>
-            <a:ext uri="{91240B29-F687-4F45-9708-019B960494DF}">
-              <a14:hiddenLine xmlns:a14="http://schemas.microsoft.com/office/drawing/2010/main" w="9525">
-                <a:solidFill>
-                  <a:schemeClr val="tx1"/>
-                </a:solidFill>
-                <a:miter lim="800000"/>
-                <a:headEnd/>
-                <a:tailEnd/>
-              </a14:hiddenLine>
-            </a:ext>
-          </a:extLst>
-        </p:spPr>
-      </p:pic>
-      <p:pic>
-        <p:nvPicPr>
-          <p:cNvPr id="71685" name="Picture 5"/>
-          <p:cNvPicPr>
-            <a:picLocks noChangeAspect="1" noChangeArrowheads="1"/>
-          </p:cNvPicPr>
-          <p:nvPr/>
-        </p:nvPicPr>
-        <p:blipFill>
-          <a:blip r:embed="rId6">
-            <a:extLst>
-              <a:ext uri="{28A0092B-C50C-407E-A947-70E740481C1C}">
-                <a14:useLocalDpi xmlns:a14="http://schemas.microsoft.com/office/drawing/2010/main" val="0"/>
-              </a:ext>
-            </a:extLst>
-          </a:blip>
-          <a:srcRect/>
-          <a:stretch>
-            <a:fillRect/>
-          </a:stretch>
-        </p:blipFill>
-        <p:spPr bwMode="auto">
-          <a:xfrm>
-            <a:off x="2142910" y="4569871"/>
-            <a:ext cx="1359076" cy="687927"/>
-          </a:xfrm>
-          <a:prstGeom prst="rect">
-            <a:avLst/>
-          </a:prstGeom>
-          <a:noFill/>
-          <a:ln>
-            <a:noFill/>
-          </a:ln>
-          <a:extLst>
-            <a:ext uri="{909E8E84-426E-40DD-AFC4-6F175D3DCCD1}">
-              <a14:hiddenFill xmlns:a14="http://schemas.microsoft.com/office/drawing/2010/main">
-                <a:solidFill>
-                  <a:schemeClr val="accent1"/>
-                </a:solidFill>
-              </a14:hiddenFill>
-            </a:ext>
-            <a:ext uri="{91240B29-F687-4F45-9708-019B960494DF}">
-              <a14:hiddenLine xmlns:a14="http://schemas.microsoft.com/office/drawing/2010/main" w="9525">
-                <a:solidFill>
-                  <a:schemeClr val="tx1"/>
-                </a:solidFill>
-                <a:miter lim="800000"/>
-                <a:headEnd/>
-                <a:tailEnd/>
-              </a14:hiddenLine>
-            </a:ext>
-          </a:extLst>
-        </p:spPr>
-      </p:pic>
+        </p:spPr>
+        <p:style>
+          <a:lnRef idx="1">
+            <a:schemeClr val="accent1"/>
+          </a:lnRef>
+          <a:fillRef idx="0">
+            <a:schemeClr val="accent1"/>
+          </a:fillRef>
+          <a:effectRef idx="0">
+            <a:schemeClr val="accent1"/>
+          </a:effectRef>
+          <a:fontRef idx="minor">
+            <a:schemeClr val="tx1"/>
+          </a:fontRef>
+        </p:style>
+      </p:cxnSp>
     </p:spTree>
     <p:extLst>
       <p:ext uri="{BB962C8B-B14F-4D97-AF65-F5344CB8AC3E}">
-        <p14:creationId xmlns:p14="http://schemas.microsoft.com/office/powerpoint/2010/main" val="128237473"/>
+        <p14:creationId xmlns:p14="http://schemas.microsoft.com/office/powerpoint/2010/main" val="2538837137"/>
       </p:ext>
     </p:extLst>
   </p:cSld>
@@ -5134,7 +5519,7 @@
             <a:graphicData uri="http://schemas.openxmlformats.org/presentationml/2006/ole">
               <mc:AlternateContent xmlns:mc="http://schemas.openxmlformats.org/markup-compatibility/2006">
                 <mc:Choice xmlns:v="urn:schemas-microsoft-com:vml" Requires="v">
-                  <p:oleObj spid="_x0000_s1043" name="Equation" r:id="rId4" imgW="4838400" imgH="457200" progId="Equation.3">
+                  <p:oleObj spid="_x0000_s1048" name="Equation" r:id="rId4" imgW="4838400" imgH="457200" progId="Equation.3">
                     <p:embed/>
                   </p:oleObj>
                 </mc:Choice>
@@ -5556,6 +5941,557 @@
           <a:chExt cx="0" cy="0"/>
         </a:xfrm>
       </p:grpSpPr>
+      <p:pic>
+        <p:nvPicPr>
+          <p:cNvPr id="6" name="Picture 5"/>
+          <p:cNvPicPr>
+            <a:picLocks noChangeAspect="1"/>
+          </p:cNvPicPr>
+          <p:nvPr/>
+        </p:nvPicPr>
+        <p:blipFill>
+          <a:blip r:embed="rId2"/>
+          <a:stretch>
+            <a:fillRect/>
+          </a:stretch>
+        </p:blipFill>
+        <p:spPr>
+          <a:xfrm>
+            <a:off x="1314450" y="2881870"/>
+            <a:ext cx="6515100" cy="2514600"/>
+          </a:xfrm>
+          <a:prstGeom prst="rect">
+            <a:avLst/>
+          </a:prstGeom>
+        </p:spPr>
+      </p:pic>
+      <p:sp>
+        <p:nvSpPr>
+          <p:cNvPr id="3" name="Title 1"/>
+          <p:cNvSpPr txBox="1">
+            <a:spLocks/>
+          </p:cNvSpPr>
+          <p:nvPr/>
+        </p:nvSpPr>
+        <p:spPr>
+          <a:xfrm>
+            <a:off x="457200" y="228600"/>
+            <a:ext cx="8229600" cy="1143000"/>
+          </a:xfrm>
+          <a:prstGeom prst="rect">
+            <a:avLst/>
+          </a:prstGeom>
+        </p:spPr>
+        <p:txBody>
+          <a:bodyPr>
+            <a:normAutofit/>
+          </a:bodyPr>
+          <a:lstStyle>
+            <a:lvl1pPr algn="ctr" defTabSz="914400" rtl="0" eaLnBrk="1" latinLnBrk="0" hangingPunct="1">
+              <a:spcBef>
+                <a:spcPct val="0"/>
+              </a:spcBef>
+              <a:buNone/>
+              <a:defRPr sz="4400" kern="1200">
+                <a:solidFill>
+                  <a:schemeClr val="tx1"/>
+                </a:solidFill>
+                <a:latin typeface="+mj-lt"/>
+                <a:ea typeface="+mj-ea"/>
+                <a:cs typeface="+mj-cs"/>
+              </a:defRPr>
+            </a:lvl1pPr>
+          </a:lstStyle>
+          <a:p>
+            <a:r>
+              <a:rPr lang="en-US" sz="3200" dirty="0" smtClean="0"/>
+              <a:t>Multiaxial Stress States – Hooke’s </a:t>
+            </a:r>
+            <a:r>
+              <a:rPr lang="en-US" sz="3200" dirty="0" smtClean="0"/>
+              <a:t>Law</a:t>
+            </a:r>
+            <a:endParaRPr lang="en-US" sz="3200" dirty="0"/>
+          </a:p>
+          <a:p>
+            <a:r>
+              <a:rPr lang="en-US" sz="3200" dirty="0" smtClean="0"/>
+              <a:t>(cont.)</a:t>
+            </a:r>
+            <a:endParaRPr lang="en-US" sz="3200" dirty="0"/>
+          </a:p>
+        </p:txBody>
+      </p:sp>
+      <p:sp>
+        <p:nvSpPr>
+          <p:cNvPr id="4" name="TextBox 3"/>
+          <p:cNvSpPr txBox="1"/>
+          <p:nvPr/>
+        </p:nvSpPr>
+        <p:spPr>
+          <a:xfrm>
+            <a:off x="5486400" y="1475488"/>
+            <a:ext cx="2743200" cy="646331"/>
+          </a:xfrm>
+          <a:prstGeom prst="rect">
+            <a:avLst/>
+          </a:prstGeom>
+          <a:noFill/>
+        </p:spPr>
+        <p:txBody>
+          <a:bodyPr wrap="square" rtlCol="0">
+            <a:spAutoFit/>
+          </a:bodyPr>
+          <a:lstStyle/>
+          <a:p>
+            <a:pPr algn="ctr"/>
+            <a:r>
+              <a:rPr lang="en-US" dirty="0" smtClean="0"/>
+              <a:t>Constitutive Compliance Matrix (6X6) = [D]</a:t>
+            </a:r>
+            <a:r>
+              <a:rPr lang="en-US" baseline="30000" dirty="0" smtClean="0"/>
+              <a:t>-1</a:t>
+            </a:r>
+            <a:endParaRPr lang="en-US" baseline="30000" dirty="0"/>
+          </a:p>
+        </p:txBody>
+      </p:sp>
+      <p:cxnSp>
+        <p:nvCxnSpPr>
+          <p:cNvPr id="5" name="Straight Arrow Connector 4"/>
+          <p:cNvCxnSpPr/>
+          <p:nvPr/>
+        </p:nvCxnSpPr>
+        <p:spPr>
+          <a:xfrm flipH="1">
+            <a:off x="4876800" y="2131651"/>
+            <a:ext cx="609600" cy="609600"/>
+          </a:xfrm>
+          <a:prstGeom prst="straightConnector1">
+            <a:avLst/>
+          </a:prstGeom>
+          <a:ln w="47625">
+            <a:solidFill>
+              <a:srgbClr val="FF0000"/>
+            </a:solidFill>
+            <a:tailEnd type="triangle"/>
+          </a:ln>
+        </p:spPr>
+        <p:style>
+          <a:lnRef idx="1">
+            <a:schemeClr val="accent1"/>
+          </a:lnRef>
+          <a:fillRef idx="0">
+            <a:schemeClr val="accent1"/>
+          </a:fillRef>
+          <a:effectRef idx="0">
+            <a:schemeClr val="accent1"/>
+          </a:effectRef>
+          <a:fontRef idx="minor">
+            <a:schemeClr val="tx1"/>
+          </a:fontRef>
+        </p:style>
+      </p:cxnSp>
+    </p:spTree>
+    <p:extLst>
+      <p:ext uri="{BB962C8B-B14F-4D97-AF65-F5344CB8AC3E}">
+        <p14:creationId xmlns:p14="http://schemas.microsoft.com/office/powerpoint/2010/main" val="3391541318"/>
+      </p:ext>
+    </p:extLst>
+  </p:cSld>
+  <p:clrMapOvr>
+    <a:masterClrMapping/>
+  </p:clrMapOvr>
+</p:sld>
+</file>
+
+<file path=ppt/slides/slide21.xml><?xml version="1.0" encoding="utf-8"?>
+<p:sld xmlns:a="http://schemas.openxmlformats.org/drawingml/2006/main" xmlns:r="http://schemas.openxmlformats.org/officeDocument/2006/relationships" xmlns:p="http://schemas.openxmlformats.org/presentationml/2006/main">
+  <p:cSld>
+    <p:spTree>
+      <p:nvGrpSpPr>
+        <p:cNvPr id="1" name=""/>
+        <p:cNvGrpSpPr/>
+        <p:nvPr/>
+      </p:nvGrpSpPr>
+      <p:grpSpPr>
+        <a:xfrm>
+          <a:off x="0" y="0"/>
+          <a:ext cx="0" cy="0"/>
+          <a:chOff x="0" y="0"/>
+          <a:chExt cx="0" cy="0"/>
+        </a:xfrm>
+      </p:grpSpPr>
+      <p:pic>
+        <p:nvPicPr>
+          <p:cNvPr id="71682" name="Picture 2"/>
+          <p:cNvPicPr>
+            <a:picLocks noChangeAspect="1" noChangeArrowheads="1"/>
+          </p:cNvPicPr>
+          <p:nvPr/>
+        </p:nvPicPr>
+        <p:blipFill>
+          <a:blip r:embed="rId3">
+            <a:extLst>
+              <a:ext uri="{28A0092B-C50C-407E-A947-70E740481C1C}">
+                <a14:useLocalDpi xmlns:a14="http://schemas.microsoft.com/office/drawing/2010/main" val="0"/>
+              </a:ext>
+            </a:extLst>
+          </a:blip>
+          <a:srcRect/>
+          <a:stretch>
+            <a:fillRect/>
+          </a:stretch>
+        </p:blipFill>
+        <p:spPr bwMode="auto">
+          <a:xfrm>
+            <a:off x="4800600" y="1406236"/>
+            <a:ext cx="3495675" cy="2114550"/>
+          </a:xfrm>
+          <a:prstGeom prst="rect">
+            <a:avLst/>
+          </a:prstGeom>
+          <a:noFill/>
+          <a:ln>
+            <a:noFill/>
+          </a:ln>
+          <a:extLst>
+            <a:ext uri="{909E8E84-426E-40DD-AFC4-6F175D3DCCD1}">
+              <a14:hiddenFill xmlns:a14="http://schemas.microsoft.com/office/drawing/2010/main">
+                <a:solidFill>
+                  <a:schemeClr val="accent1"/>
+                </a:solidFill>
+              </a14:hiddenFill>
+            </a:ext>
+            <a:ext uri="{91240B29-F687-4F45-9708-019B960494DF}">
+              <a14:hiddenLine xmlns:a14="http://schemas.microsoft.com/office/drawing/2010/main" w="9525">
+                <a:solidFill>
+                  <a:schemeClr val="tx1"/>
+                </a:solidFill>
+                <a:miter lim="800000"/>
+                <a:headEnd/>
+                <a:tailEnd/>
+              </a14:hiddenLine>
+            </a:ext>
+          </a:extLst>
+        </p:spPr>
+      </p:pic>
+      <p:sp>
+        <p:nvSpPr>
+          <p:cNvPr id="3" name="Title 1"/>
+          <p:cNvSpPr txBox="1">
+            <a:spLocks/>
+          </p:cNvSpPr>
+          <p:nvPr/>
+        </p:nvSpPr>
+        <p:spPr>
+          <a:xfrm>
+            <a:off x="457200" y="228600"/>
+            <a:ext cx="8229600" cy="1143000"/>
+          </a:xfrm>
+          <a:prstGeom prst="rect">
+            <a:avLst/>
+          </a:prstGeom>
+        </p:spPr>
+        <p:txBody>
+          <a:bodyPr>
+            <a:normAutofit/>
+          </a:bodyPr>
+          <a:lstStyle>
+            <a:lvl1pPr algn="ctr" defTabSz="914400" rtl="0" eaLnBrk="1" latinLnBrk="0" hangingPunct="1">
+              <a:spcBef>
+                <a:spcPct val="0"/>
+              </a:spcBef>
+              <a:buNone/>
+              <a:defRPr sz="4400" kern="1200">
+                <a:solidFill>
+                  <a:schemeClr val="tx1"/>
+                </a:solidFill>
+                <a:latin typeface="+mj-lt"/>
+                <a:ea typeface="+mj-ea"/>
+                <a:cs typeface="+mj-cs"/>
+              </a:defRPr>
+            </a:lvl1pPr>
+          </a:lstStyle>
+          <a:p>
+            <a:r>
+              <a:rPr lang="en-US" sz="3200" dirty="0" smtClean="0"/>
+              <a:t>Beam Bending</a:t>
+            </a:r>
+            <a:endParaRPr lang="en-US" sz="3200" dirty="0"/>
+          </a:p>
+        </p:txBody>
+      </p:sp>
+      <p:sp>
+        <p:nvSpPr>
+          <p:cNvPr id="4" name="TextBox 3"/>
+          <p:cNvSpPr txBox="1"/>
+          <p:nvPr/>
+        </p:nvSpPr>
+        <p:spPr>
+          <a:xfrm>
+            <a:off x="838200" y="1600200"/>
+            <a:ext cx="3505200" cy="369332"/>
+          </a:xfrm>
+          <a:prstGeom prst="rect">
+            <a:avLst/>
+          </a:prstGeom>
+          <a:noFill/>
+        </p:spPr>
+        <p:txBody>
+          <a:bodyPr wrap="square" rtlCol="0">
+            <a:spAutoFit/>
+          </a:bodyPr>
+          <a:lstStyle/>
+          <a:p>
+            <a:r>
+              <a:rPr lang="en-US" dirty="0" smtClean="0"/>
+              <a:t>Moment-curvature (</a:t>
+            </a:r>
+            <a:r>
+              <a:rPr lang="en-US" dirty="0" smtClean="0">
+                <a:sym typeface="Symbol"/>
+              </a:rPr>
+              <a:t>)</a:t>
+            </a:r>
+            <a:r>
+              <a:rPr lang="en-US" dirty="0" smtClean="0"/>
+              <a:t> relation</a:t>
+            </a:r>
+            <a:endParaRPr lang="en-US" dirty="0"/>
+          </a:p>
+        </p:txBody>
+      </p:sp>
+      <p:pic>
+        <p:nvPicPr>
+          <p:cNvPr id="71683" name="Picture 3"/>
+          <p:cNvPicPr>
+            <a:picLocks noChangeAspect="1" noChangeArrowheads="1"/>
+          </p:cNvPicPr>
+          <p:nvPr/>
+        </p:nvPicPr>
+        <p:blipFill>
+          <a:blip r:embed="rId4">
+            <a:extLst>
+              <a:ext uri="{28A0092B-C50C-407E-A947-70E740481C1C}">
+                <a14:useLocalDpi xmlns:a14="http://schemas.microsoft.com/office/drawing/2010/main" val="0"/>
+              </a:ext>
+            </a:extLst>
+          </a:blip>
+          <a:srcRect/>
+          <a:stretch>
+            <a:fillRect/>
+          </a:stretch>
+        </p:blipFill>
+        <p:spPr bwMode="auto">
+          <a:xfrm>
+            <a:off x="1675795" y="2190186"/>
+            <a:ext cx="2293306" cy="781614"/>
+          </a:xfrm>
+          <a:prstGeom prst="rect">
+            <a:avLst/>
+          </a:prstGeom>
+          <a:noFill/>
+          <a:ln>
+            <a:noFill/>
+          </a:ln>
+          <a:extLst>
+            <a:ext uri="{909E8E84-426E-40DD-AFC4-6F175D3DCCD1}">
+              <a14:hiddenFill xmlns:a14="http://schemas.microsoft.com/office/drawing/2010/main">
+                <a:solidFill>
+                  <a:schemeClr val="accent1"/>
+                </a:solidFill>
+              </a14:hiddenFill>
+            </a:ext>
+            <a:ext uri="{91240B29-F687-4F45-9708-019B960494DF}">
+              <a14:hiddenLine xmlns:a14="http://schemas.microsoft.com/office/drawing/2010/main" w="9525">
+                <a:solidFill>
+                  <a:schemeClr val="tx1"/>
+                </a:solidFill>
+                <a:miter lim="800000"/>
+                <a:headEnd/>
+                <a:tailEnd/>
+              </a14:hiddenLine>
+            </a:ext>
+          </a:extLst>
+        </p:spPr>
+      </p:pic>
+      <p:sp>
+        <p:nvSpPr>
+          <p:cNvPr id="6" name="TextBox 5"/>
+          <p:cNvSpPr txBox="1"/>
+          <p:nvPr/>
+        </p:nvSpPr>
+        <p:spPr>
+          <a:xfrm>
+            <a:off x="838200" y="3921930"/>
+            <a:ext cx="4876800" cy="369332"/>
+          </a:xfrm>
+          <a:prstGeom prst="rect">
+            <a:avLst/>
+          </a:prstGeom>
+          <a:noFill/>
+        </p:spPr>
+        <p:txBody>
+          <a:bodyPr wrap="square" rtlCol="0">
+            <a:spAutoFit/>
+          </a:bodyPr>
+          <a:lstStyle/>
+          <a:p>
+            <a:r>
+              <a:rPr lang="en-US" dirty="0" smtClean="0"/>
+              <a:t>Moment of Inertia (rectangular cross-section)</a:t>
+            </a:r>
+            <a:endParaRPr lang="en-US" dirty="0"/>
+          </a:p>
+        </p:txBody>
+      </p:sp>
+      <p:pic>
+        <p:nvPicPr>
+          <p:cNvPr id="71684" name="Picture 4"/>
+          <p:cNvPicPr>
+            <a:picLocks noChangeAspect="1" noChangeArrowheads="1"/>
+          </p:cNvPicPr>
+          <p:nvPr/>
+        </p:nvPicPr>
+        <p:blipFill>
+          <a:blip r:embed="rId5">
+            <a:extLst>
+              <a:ext uri="{28A0092B-C50C-407E-A947-70E740481C1C}">
+                <a14:useLocalDpi xmlns:a14="http://schemas.microsoft.com/office/drawing/2010/main" val="0"/>
+              </a:ext>
+            </a:extLst>
+          </a:blip>
+          <a:srcRect/>
+          <a:stretch>
+            <a:fillRect/>
+          </a:stretch>
+        </p:blipFill>
+        <p:spPr bwMode="auto">
+          <a:xfrm>
+            <a:off x="5715000" y="4291260"/>
+            <a:ext cx="1296950" cy="1569699"/>
+          </a:xfrm>
+          <a:prstGeom prst="rect">
+            <a:avLst/>
+          </a:prstGeom>
+          <a:noFill/>
+          <a:ln>
+            <a:noFill/>
+          </a:ln>
+          <a:extLst>
+            <a:ext uri="{909E8E84-426E-40DD-AFC4-6F175D3DCCD1}">
+              <a14:hiddenFill xmlns:a14="http://schemas.microsoft.com/office/drawing/2010/main">
+                <a:solidFill>
+                  <a:schemeClr val="accent1"/>
+                </a:solidFill>
+              </a14:hiddenFill>
+            </a:ext>
+            <a:ext uri="{91240B29-F687-4F45-9708-019B960494DF}">
+              <a14:hiddenLine xmlns:a14="http://schemas.microsoft.com/office/drawing/2010/main" w="9525">
+                <a:solidFill>
+                  <a:schemeClr val="tx1"/>
+                </a:solidFill>
+                <a:miter lim="800000"/>
+                <a:headEnd/>
+                <a:tailEnd/>
+              </a14:hiddenLine>
+            </a:ext>
+          </a:extLst>
+        </p:spPr>
+      </p:pic>
+      <p:pic>
+        <p:nvPicPr>
+          <p:cNvPr id="71685" name="Picture 5"/>
+          <p:cNvPicPr>
+            <a:picLocks noChangeAspect="1" noChangeArrowheads="1"/>
+          </p:cNvPicPr>
+          <p:nvPr/>
+        </p:nvPicPr>
+        <p:blipFill>
+          <a:blip r:embed="rId6">
+            <a:extLst>
+              <a:ext uri="{28A0092B-C50C-407E-A947-70E740481C1C}">
+                <a14:useLocalDpi xmlns:a14="http://schemas.microsoft.com/office/drawing/2010/main" val="0"/>
+              </a:ext>
+            </a:extLst>
+          </a:blip>
+          <a:srcRect/>
+          <a:stretch>
+            <a:fillRect/>
+          </a:stretch>
+        </p:blipFill>
+        <p:spPr bwMode="auto">
+          <a:xfrm>
+            <a:off x="2142910" y="4569871"/>
+            <a:ext cx="1359076" cy="687927"/>
+          </a:xfrm>
+          <a:prstGeom prst="rect">
+            <a:avLst/>
+          </a:prstGeom>
+          <a:noFill/>
+          <a:ln>
+            <a:noFill/>
+          </a:ln>
+          <a:extLst>
+            <a:ext uri="{909E8E84-426E-40DD-AFC4-6F175D3DCCD1}">
+              <a14:hiddenFill xmlns:a14="http://schemas.microsoft.com/office/drawing/2010/main">
+                <a:solidFill>
+                  <a:schemeClr val="accent1"/>
+                </a:solidFill>
+              </a14:hiddenFill>
+            </a:ext>
+            <a:ext uri="{91240B29-F687-4F45-9708-019B960494DF}">
+              <a14:hiddenLine xmlns:a14="http://schemas.microsoft.com/office/drawing/2010/main" w="9525">
+                <a:solidFill>
+                  <a:schemeClr val="tx1"/>
+                </a:solidFill>
+                <a:miter lim="800000"/>
+                <a:headEnd/>
+                <a:tailEnd/>
+              </a14:hiddenLine>
+            </a:ext>
+          </a:extLst>
+        </p:spPr>
+      </p:pic>
+    </p:spTree>
+    <p:extLst>
+      <p:ext uri="{BB962C8B-B14F-4D97-AF65-F5344CB8AC3E}">
+        <p14:creationId xmlns:p14="http://schemas.microsoft.com/office/powerpoint/2010/main" val="128237473"/>
+      </p:ext>
+    </p:extLst>
+  </p:cSld>
+  <p:clrMapOvr>
+    <a:masterClrMapping/>
+  </p:clrMapOvr>
+  <p:timing>
+    <p:tnLst>
+      <p:par>
+        <p:cTn id="1" dur="indefinite" restart="never" nodeType="tmRoot"/>
+      </p:par>
+    </p:tnLst>
+  </p:timing>
+</p:sld>
+</file>
+
+<file path=ppt/slides/slide22.xml><?xml version="1.0" encoding="utf-8"?>
+<p:sld xmlns:a="http://schemas.openxmlformats.org/drawingml/2006/main" xmlns:r="http://schemas.openxmlformats.org/officeDocument/2006/relationships" xmlns:p="http://schemas.openxmlformats.org/presentationml/2006/main">
+  <p:cSld>
+    <p:spTree>
+      <p:nvGrpSpPr>
+        <p:cNvPr id="1" name=""/>
+        <p:cNvGrpSpPr/>
+        <p:nvPr/>
+      </p:nvGrpSpPr>
+      <p:grpSpPr>
+        <a:xfrm>
+          <a:off x="0" y="0"/>
+          <a:ext cx="0" cy="0"/>
+          <a:chOff x="0" y="0"/>
+          <a:chExt cx="0" cy="0"/>
+        </a:xfrm>
+      </p:grpSpPr>
       <p:sp>
         <p:nvSpPr>
           <p:cNvPr id="3" name="Title 1"/>
@@ -6277,7 +7213,7 @@
           <a:graphicData uri="http://schemas.openxmlformats.org/presentationml/2006/ole">
             <mc:AlternateContent xmlns:mc="http://schemas.openxmlformats.org/markup-compatibility/2006">
               <mc:Choice xmlns:v="urn:schemas-microsoft-com:vml" Requires="v">
-                <p:oleObj spid="_x0000_s2084" name="Equation" r:id="rId5" imgW="609480" imgH="368280" progId="Equation.3">
+                <p:oleObj spid="_x0000_s2094" name="Equation" r:id="rId5" imgW="609480" imgH="368280" progId="Equation.3">
                   <p:embed/>
                 </p:oleObj>
               </mc:Choice>
@@ -6349,7 +7285,7 @@
           <a:graphicData uri="http://schemas.openxmlformats.org/presentationml/2006/ole">
             <mc:AlternateContent xmlns:mc="http://schemas.openxmlformats.org/markup-compatibility/2006">
               <mc:Choice xmlns:v="urn:schemas-microsoft-com:vml" Requires="v">
-                <p:oleObj spid="_x0000_s2085" name="Equation" r:id="rId7" imgW="761760" imgH="520560" progId="Equation.3">
+                <p:oleObj spid="_x0000_s2095" name="Equation" r:id="rId7" imgW="761760" imgH="520560" progId="Equation.3">
                   <p:embed/>
                 </p:oleObj>
               </mc:Choice>
@@ -6556,7 +7492,7 @@
           <a:graphicData uri="http://schemas.openxmlformats.org/presentationml/2006/ole">
             <mc:AlternateContent xmlns:mc="http://schemas.openxmlformats.org/markup-compatibility/2006">
               <mc:Choice xmlns:v="urn:schemas-microsoft-com:vml" Requires="v">
-                <p:oleObj spid="_x0000_s3091" name="Equation" r:id="rId4" imgW="1866600" imgH="1002960" progId="Equation.3">
+                <p:oleObj spid="_x0000_s3096" name="Equation" r:id="rId4" imgW="1866600" imgH="1002960" progId="Equation.3">
                   <p:embed/>
                 </p:oleObj>
               </mc:Choice>
@@ -7110,7 +8046,7 @@
           <a:graphicData uri="http://schemas.openxmlformats.org/presentationml/2006/ole">
             <mc:AlternateContent xmlns:mc="http://schemas.openxmlformats.org/markup-compatibility/2006">
               <mc:Choice xmlns:v="urn:schemas-microsoft-com:vml" Requires="v">
-                <p:oleObj spid="_x0000_s4132" name="Equation" r:id="rId5" imgW="672840" imgH="368280" progId="Equation.3">
+                <p:oleObj spid="_x0000_s4142" name="Equation" r:id="rId5" imgW="672840" imgH="368280" progId="Equation.3">
                   <p:embed/>
                 </p:oleObj>
               </mc:Choice>
@@ -7182,7 +8118,7 @@
           <a:graphicData uri="http://schemas.openxmlformats.org/presentationml/2006/ole">
             <mc:AlternateContent xmlns:mc="http://schemas.openxmlformats.org/markup-compatibility/2006">
               <mc:Choice xmlns:v="urn:schemas-microsoft-com:vml" Requires="v">
-                <p:oleObj spid="_x0000_s4133" name="Equation" r:id="rId7" imgW="634680" imgH="368280" progId="Equation.3">
+                <p:oleObj spid="_x0000_s4143" name="Equation" r:id="rId7" imgW="634680" imgH="368280" progId="Equation.3">
                   <p:embed/>
                 </p:oleObj>
               </mc:Choice>
@@ -7602,7 +8538,7 @@
           <a:graphicData uri="http://schemas.openxmlformats.org/presentationml/2006/ole">
             <mc:AlternateContent xmlns:mc="http://schemas.openxmlformats.org/markup-compatibility/2006">
               <mc:Choice xmlns:v="urn:schemas-microsoft-com:vml" Requires="v">
-                <p:oleObj spid="_x0000_s5139" name="Equation" r:id="rId4" imgW="1866600" imgH="1002960" progId="Equation.3">
+                <p:oleObj spid="_x0000_s5144" name="Equation" r:id="rId4" imgW="1866600" imgH="1002960" progId="Equation.3">
                   <p:embed/>
                 </p:oleObj>
               </mc:Choice>
@@ -8399,7 +9335,7 @@
           <a:graphicData uri="http://schemas.openxmlformats.org/presentationml/2006/ole">
             <mc:AlternateContent xmlns:mc="http://schemas.openxmlformats.org/markup-compatibility/2006">
               <mc:Choice xmlns:v="urn:schemas-microsoft-com:vml" Requires="v">
-                <p:oleObj spid="_x0000_s29714" name="Equation" r:id="rId5" imgW="114120" imgH="215640" progId="Equation.3">
+                <p:oleObj spid="_x0000_s29719" name="Equation" r:id="rId5" imgW="114120" imgH="215640" progId="Equation.3">
                   <p:embed/>
                 </p:oleObj>
               </mc:Choice>
